--- a/resources/images/programming/Angular2ArchDrawings.pptx
+++ b/resources/images/programming/Angular2ArchDrawings.pptx
@@ -7,8 +7,9 @@
   <p:sldIdLst>
     <p:sldId id="256" r:id="rId2"/>
     <p:sldId id="257" r:id="rId3"/>
-    <p:sldId id="259" r:id="rId4"/>
-    <p:sldId id="258" r:id="rId5"/>
+    <p:sldId id="260" r:id="rId4"/>
+    <p:sldId id="259" r:id="rId5"/>
+    <p:sldId id="258" r:id="rId6"/>
   </p:sldIdLst>
   <p:sldSz cx="9144000" cy="6858000" type="screen4x3"/>
   <p:notesSz cx="6858000" cy="9144000"/>
@@ -291,7 +292,7 @@
           <a:p>
             <a:fld id="{44D025BA-F7EC-48B3-8B3E-E522A6603E67}" type="datetimeFigureOut">
               <a:rPr lang="en-US" smtClean="0"/>
-              <a:t>6/9/2017</a:t>
+              <a:t>6/13/2017</a:t>
             </a:fld>
             <a:endParaRPr lang="en-US"/>
           </a:p>
@@ -461,7 +462,7 @@
           <a:p>
             <a:fld id="{44D025BA-F7EC-48B3-8B3E-E522A6603E67}" type="datetimeFigureOut">
               <a:rPr lang="en-US" smtClean="0"/>
-              <a:t>6/9/2017</a:t>
+              <a:t>6/13/2017</a:t>
             </a:fld>
             <a:endParaRPr lang="en-US"/>
           </a:p>
@@ -641,7 +642,7 @@
           <a:p>
             <a:fld id="{44D025BA-F7EC-48B3-8B3E-E522A6603E67}" type="datetimeFigureOut">
               <a:rPr lang="en-US" smtClean="0"/>
-              <a:t>6/9/2017</a:t>
+              <a:t>6/13/2017</a:t>
             </a:fld>
             <a:endParaRPr lang="en-US"/>
           </a:p>
@@ -811,7 +812,7 @@
           <a:p>
             <a:fld id="{44D025BA-F7EC-48B3-8B3E-E522A6603E67}" type="datetimeFigureOut">
               <a:rPr lang="en-US" smtClean="0"/>
-              <a:t>6/9/2017</a:t>
+              <a:t>6/13/2017</a:t>
             </a:fld>
             <a:endParaRPr lang="en-US"/>
           </a:p>
@@ -1057,7 +1058,7 @@
           <a:p>
             <a:fld id="{44D025BA-F7EC-48B3-8B3E-E522A6603E67}" type="datetimeFigureOut">
               <a:rPr lang="en-US" smtClean="0"/>
-              <a:t>6/9/2017</a:t>
+              <a:t>6/13/2017</a:t>
             </a:fld>
             <a:endParaRPr lang="en-US"/>
           </a:p>
@@ -1345,7 +1346,7 @@
           <a:p>
             <a:fld id="{44D025BA-F7EC-48B3-8B3E-E522A6603E67}" type="datetimeFigureOut">
               <a:rPr lang="en-US" smtClean="0"/>
-              <a:t>6/9/2017</a:t>
+              <a:t>6/13/2017</a:t>
             </a:fld>
             <a:endParaRPr lang="en-US"/>
           </a:p>
@@ -1767,7 +1768,7 @@
           <a:p>
             <a:fld id="{44D025BA-F7EC-48B3-8B3E-E522A6603E67}" type="datetimeFigureOut">
               <a:rPr lang="en-US" smtClean="0"/>
-              <a:t>6/9/2017</a:t>
+              <a:t>6/13/2017</a:t>
             </a:fld>
             <a:endParaRPr lang="en-US"/>
           </a:p>
@@ -1885,7 +1886,7 @@
           <a:p>
             <a:fld id="{44D025BA-F7EC-48B3-8B3E-E522A6603E67}" type="datetimeFigureOut">
               <a:rPr lang="en-US" smtClean="0"/>
-              <a:t>6/9/2017</a:t>
+              <a:t>6/13/2017</a:t>
             </a:fld>
             <a:endParaRPr lang="en-US"/>
           </a:p>
@@ -1980,7 +1981,7 @@
           <a:p>
             <a:fld id="{44D025BA-F7EC-48B3-8B3E-E522A6603E67}" type="datetimeFigureOut">
               <a:rPr lang="en-US" smtClean="0"/>
-              <a:t>6/9/2017</a:t>
+              <a:t>6/13/2017</a:t>
             </a:fld>
             <a:endParaRPr lang="en-US"/>
           </a:p>
@@ -2257,7 +2258,7 @@
           <a:p>
             <a:fld id="{44D025BA-F7EC-48B3-8B3E-E522A6603E67}" type="datetimeFigureOut">
               <a:rPr lang="en-US" smtClean="0"/>
-              <a:t>6/9/2017</a:t>
+              <a:t>6/13/2017</a:t>
             </a:fld>
             <a:endParaRPr lang="en-US"/>
           </a:p>
@@ -2510,7 +2511,7 @@
           <a:p>
             <a:fld id="{44D025BA-F7EC-48B3-8B3E-E522A6603E67}" type="datetimeFigureOut">
               <a:rPr lang="en-US" smtClean="0"/>
-              <a:t>6/9/2017</a:t>
+              <a:t>6/13/2017</a:t>
             </a:fld>
             <a:endParaRPr lang="en-US"/>
           </a:p>
@@ -2723,7 +2724,7 @@
           <a:p>
             <a:fld id="{44D025BA-F7EC-48B3-8B3E-E522A6603E67}" type="datetimeFigureOut">
               <a:rPr lang="en-US" smtClean="0"/>
-              <a:t>6/9/2017</a:t>
+              <a:t>6/13/2017</a:t>
             </a:fld>
             <a:endParaRPr lang="en-US"/>
           </a:p>
@@ -5526,7 +5527,7 @@
     </p:spTree>
     <p:extLst>
       <p:ext uri="{BB962C8B-B14F-4D97-AF65-F5344CB8AC3E}">
-        <p14:creationId xmlns:p14="http://schemas.microsoft.com/office/powerpoint/2010/main" val="2820264535"/>
+        <p14:creationId xmlns:p14="http://schemas.microsoft.com/office/powerpoint/2010/main" val="1253543174"/>
       </p:ext>
     </p:extLst>
   </p:cSld>
@@ -5555,6 +5556,1219 @@
       </p:grpSpPr>
       <p:sp>
         <p:nvSpPr>
+          <p:cNvPr id="26" name="Rectangle 25"/>
+          <p:cNvSpPr/>
+          <p:nvPr/>
+        </p:nvSpPr>
+        <p:spPr>
+          <a:xfrm>
+            <a:off x="2438400" y="2286000"/>
+            <a:ext cx="3718630" cy="4413904"/>
+          </a:xfrm>
+          <a:prstGeom prst="rect">
+            <a:avLst/>
+          </a:prstGeom>
+        </p:spPr>
+        <p:style>
+          <a:lnRef idx="2">
+            <a:schemeClr val="accent6">
+              <a:shade val="50000"/>
+            </a:schemeClr>
+          </a:lnRef>
+          <a:fillRef idx="1">
+            <a:schemeClr val="accent6"/>
+          </a:fillRef>
+          <a:effectRef idx="0">
+            <a:schemeClr val="accent6"/>
+          </a:effectRef>
+          <a:fontRef idx="minor">
+            <a:schemeClr val="lt1"/>
+          </a:fontRef>
+        </p:style>
+        <p:txBody>
+          <a:bodyPr rtlCol="0" anchor="ctr"/>
+          <a:lstStyle/>
+          <a:p>
+            <a:pPr algn="ctr"/>
+            <a:endParaRPr lang="en-US" sz="1050" dirty="0" smtClean="0"/>
+          </a:p>
+        </p:txBody>
+      </p:sp>
+      <p:sp>
+        <p:nvSpPr>
+          <p:cNvPr id="4" name="TextBox 3"/>
+          <p:cNvSpPr txBox="1"/>
+          <p:nvPr/>
+        </p:nvSpPr>
+        <p:spPr>
+          <a:xfrm>
+            <a:off x="0" y="9951"/>
+            <a:ext cx="9144000" cy="461665"/>
+          </a:xfrm>
+          <a:prstGeom prst="rect">
+            <a:avLst/>
+          </a:prstGeom>
+          <a:noFill/>
+        </p:spPr>
+        <p:txBody>
+          <a:bodyPr wrap="square" rtlCol="0">
+            <a:spAutoFit/>
+          </a:bodyPr>
+          <a:lstStyle/>
+          <a:p>
+            <a:pPr algn="ctr"/>
+            <a:r>
+              <a:rPr lang="en-US" sz="2400" b="1" dirty="0" smtClean="0">
+                <a:solidFill>
+                  <a:schemeClr val="accent1"/>
+                </a:solidFill>
+              </a:rPr>
+              <a:t>Validation Flow</a:t>
+            </a:r>
+            <a:endParaRPr lang="en-US" sz="2400" b="1" dirty="0">
+              <a:solidFill>
+                <a:schemeClr val="accent1"/>
+              </a:solidFill>
+            </a:endParaRPr>
+          </a:p>
+        </p:txBody>
+      </p:sp>
+      <p:sp>
+        <p:nvSpPr>
+          <p:cNvPr id="6" name="Rectangle 5"/>
+          <p:cNvSpPr/>
+          <p:nvPr/>
+        </p:nvSpPr>
+        <p:spPr>
+          <a:xfrm>
+            <a:off x="2804229" y="5715000"/>
+            <a:ext cx="2923140" cy="381000"/>
+          </a:xfrm>
+          <a:prstGeom prst="rect">
+            <a:avLst/>
+          </a:prstGeom>
+          <a:solidFill>
+            <a:schemeClr val="accent1">
+              <a:alpha val="23000"/>
+            </a:schemeClr>
+          </a:solidFill>
+        </p:spPr>
+        <p:style>
+          <a:lnRef idx="2">
+            <a:schemeClr val="accent1">
+              <a:shade val="50000"/>
+            </a:schemeClr>
+          </a:lnRef>
+          <a:fillRef idx="1">
+            <a:schemeClr val="accent1"/>
+          </a:fillRef>
+          <a:effectRef idx="0">
+            <a:schemeClr val="accent1"/>
+          </a:effectRef>
+          <a:fontRef idx="minor">
+            <a:schemeClr val="lt1"/>
+          </a:fontRef>
+        </p:style>
+        <p:txBody>
+          <a:bodyPr rtlCol="0" anchor="ctr"/>
+          <a:lstStyle/>
+          <a:p>
+            <a:pPr algn="ctr"/>
+            <a:r>
+              <a:rPr lang="en-US" dirty="0" smtClean="0"/>
+              <a:t>Form</a:t>
+            </a:r>
+            <a:endParaRPr lang="en-US" dirty="0"/>
+          </a:p>
+        </p:txBody>
+      </p:sp>
+      <p:sp>
+        <p:nvSpPr>
+          <p:cNvPr id="10" name="Smiley Face 9"/>
+          <p:cNvSpPr/>
+          <p:nvPr/>
+        </p:nvSpPr>
+        <p:spPr>
+          <a:xfrm>
+            <a:off x="6797467" y="5625699"/>
+            <a:ext cx="533400" cy="533400"/>
+          </a:xfrm>
+          <a:prstGeom prst="smileyFace">
+            <a:avLst/>
+          </a:prstGeom>
+        </p:spPr>
+        <p:style>
+          <a:lnRef idx="2">
+            <a:schemeClr val="accent1">
+              <a:shade val="50000"/>
+            </a:schemeClr>
+          </a:lnRef>
+          <a:fillRef idx="1">
+            <a:schemeClr val="accent1"/>
+          </a:fillRef>
+          <a:effectRef idx="0">
+            <a:schemeClr val="accent1"/>
+          </a:effectRef>
+          <a:fontRef idx="minor">
+            <a:schemeClr val="lt1"/>
+          </a:fontRef>
+        </p:style>
+        <p:txBody>
+          <a:bodyPr rtlCol="0" anchor="ctr"/>
+          <a:lstStyle/>
+          <a:p>
+            <a:pPr algn="ctr"/>
+            <a:endParaRPr lang="en-US"/>
+          </a:p>
+        </p:txBody>
+      </p:sp>
+      <p:cxnSp>
+        <p:nvCxnSpPr>
+          <p:cNvPr id="11" name="Straight Arrow Connector 10"/>
+          <p:cNvCxnSpPr>
+            <a:stCxn id="10" idx="2"/>
+            <a:endCxn id="6" idx="3"/>
+          </p:cNvCxnSpPr>
+          <p:nvPr/>
+        </p:nvCxnSpPr>
+        <p:spPr>
+          <a:xfrm flipH="1">
+            <a:off x="5727369" y="5892399"/>
+            <a:ext cx="1070098" cy="13101"/>
+          </a:xfrm>
+          <a:prstGeom prst="straightConnector1">
+            <a:avLst/>
+          </a:prstGeom>
+          <a:ln w="31750">
+            <a:solidFill>
+              <a:schemeClr val="tx1"/>
+            </a:solidFill>
+            <a:tailEnd type="triangle"/>
+          </a:ln>
+        </p:spPr>
+        <p:style>
+          <a:lnRef idx="1">
+            <a:schemeClr val="accent1"/>
+          </a:lnRef>
+          <a:fillRef idx="0">
+            <a:schemeClr val="accent1"/>
+          </a:fillRef>
+          <a:effectRef idx="0">
+            <a:schemeClr val="accent1"/>
+          </a:effectRef>
+          <a:fontRef idx="minor">
+            <a:schemeClr val="tx1"/>
+          </a:fontRef>
+        </p:style>
+      </p:cxnSp>
+      <p:sp>
+        <p:nvSpPr>
+          <p:cNvPr id="14" name="TextBox 13"/>
+          <p:cNvSpPr txBox="1"/>
+          <p:nvPr/>
+        </p:nvSpPr>
+        <p:spPr>
+          <a:xfrm>
+            <a:off x="7491768" y="5738511"/>
+            <a:ext cx="1428661" cy="307777"/>
+          </a:xfrm>
+          <a:prstGeom prst="rect">
+            <a:avLst/>
+          </a:prstGeom>
+          <a:noFill/>
+        </p:spPr>
+        <p:txBody>
+          <a:bodyPr wrap="none" rtlCol="0">
+            <a:spAutoFit/>
+          </a:bodyPr>
+          <a:lstStyle/>
+          <a:p>
+            <a:r>
+              <a:rPr lang="en-US" sz="1400" dirty="0" smtClean="0"/>
+              <a:t>User Direct Entry</a:t>
+            </a:r>
+            <a:endParaRPr lang="en-US" sz="1400" dirty="0"/>
+          </a:p>
+        </p:txBody>
+      </p:sp>
+      <p:sp>
+        <p:nvSpPr>
+          <p:cNvPr id="27" name="TextBox 26"/>
+          <p:cNvSpPr txBox="1"/>
+          <p:nvPr/>
+        </p:nvSpPr>
+        <p:spPr>
+          <a:xfrm>
+            <a:off x="2438400" y="2283023"/>
+            <a:ext cx="3718630" cy="307777"/>
+          </a:xfrm>
+          <a:prstGeom prst="rect">
+            <a:avLst/>
+          </a:prstGeom>
+          <a:noFill/>
+        </p:spPr>
+        <p:txBody>
+          <a:bodyPr wrap="square" rtlCol="0">
+            <a:spAutoFit/>
+          </a:bodyPr>
+          <a:lstStyle/>
+          <a:p>
+            <a:pPr algn="ctr"/>
+            <a:r>
+              <a:rPr lang="en-US" sz="1400" dirty="0" smtClean="0"/>
+              <a:t>Dumb Component</a:t>
+            </a:r>
+            <a:endParaRPr lang="en-US" sz="1400" dirty="0"/>
+          </a:p>
+        </p:txBody>
+      </p:sp>
+      <p:sp>
+        <p:nvSpPr>
+          <p:cNvPr id="28" name="Rectangle 27"/>
+          <p:cNvSpPr/>
+          <p:nvPr/>
+        </p:nvSpPr>
+        <p:spPr>
+          <a:xfrm>
+            <a:off x="1691570" y="1600200"/>
+            <a:ext cx="5242630" cy="396332"/>
+          </a:xfrm>
+          <a:prstGeom prst="rect">
+            <a:avLst/>
+          </a:prstGeom>
+        </p:spPr>
+        <p:style>
+          <a:lnRef idx="3">
+            <a:schemeClr val="lt1"/>
+          </a:lnRef>
+          <a:fillRef idx="1">
+            <a:schemeClr val="accent3"/>
+          </a:fillRef>
+          <a:effectRef idx="1">
+            <a:schemeClr val="accent3"/>
+          </a:effectRef>
+          <a:fontRef idx="minor">
+            <a:schemeClr val="lt1"/>
+          </a:fontRef>
+        </p:style>
+        <p:txBody>
+          <a:bodyPr rtlCol="0" anchor="ctr"/>
+          <a:lstStyle/>
+          <a:p>
+            <a:pPr algn="ctr"/>
+            <a:r>
+              <a:rPr lang="en-US" dirty="0" smtClean="0"/>
+              <a:t>Smart Component</a:t>
+            </a:r>
+            <a:endParaRPr lang="en-US" dirty="0"/>
+          </a:p>
+        </p:txBody>
+      </p:sp>
+      <p:sp>
+        <p:nvSpPr>
+          <p:cNvPr id="29" name="Rectangle 28"/>
+          <p:cNvSpPr/>
+          <p:nvPr/>
+        </p:nvSpPr>
+        <p:spPr>
+          <a:xfrm>
+            <a:off x="1691570" y="1062515"/>
+            <a:ext cx="5242630" cy="366067"/>
+          </a:xfrm>
+          <a:prstGeom prst="rect">
+            <a:avLst/>
+          </a:prstGeom>
+        </p:spPr>
+        <p:style>
+          <a:lnRef idx="2">
+            <a:schemeClr val="accent2">
+              <a:shade val="50000"/>
+            </a:schemeClr>
+          </a:lnRef>
+          <a:fillRef idx="1">
+            <a:schemeClr val="accent2"/>
+          </a:fillRef>
+          <a:effectRef idx="0">
+            <a:schemeClr val="accent2"/>
+          </a:effectRef>
+          <a:fontRef idx="minor">
+            <a:schemeClr val="lt1"/>
+          </a:fontRef>
+        </p:style>
+        <p:txBody>
+          <a:bodyPr rtlCol="0" anchor="ctr"/>
+          <a:lstStyle/>
+          <a:p>
+            <a:pPr algn="ctr"/>
+            <a:r>
+              <a:rPr lang="en-US" dirty="0" smtClean="0"/>
+              <a:t>Services</a:t>
+            </a:r>
+            <a:endParaRPr lang="en-US" dirty="0"/>
+          </a:p>
+        </p:txBody>
+      </p:sp>
+      <p:cxnSp>
+        <p:nvCxnSpPr>
+          <p:cNvPr id="36" name="Straight Arrow Connector 35"/>
+          <p:cNvCxnSpPr/>
+          <p:nvPr/>
+        </p:nvCxnSpPr>
+        <p:spPr>
+          <a:xfrm flipV="1">
+            <a:off x="6694313" y="1447459"/>
+            <a:ext cx="0" cy="171618"/>
+          </a:xfrm>
+          <a:prstGeom prst="straightConnector1">
+            <a:avLst/>
+          </a:prstGeom>
+          <a:ln w="31750">
+            <a:solidFill>
+              <a:schemeClr val="tx1"/>
+            </a:solidFill>
+            <a:tailEnd type="triangle"/>
+          </a:ln>
+        </p:spPr>
+        <p:style>
+          <a:lnRef idx="1">
+            <a:schemeClr val="accent1"/>
+          </a:lnRef>
+          <a:fillRef idx="0">
+            <a:schemeClr val="accent1"/>
+          </a:fillRef>
+          <a:effectRef idx="0">
+            <a:schemeClr val="accent1"/>
+          </a:effectRef>
+          <a:fontRef idx="minor">
+            <a:schemeClr val="tx1"/>
+          </a:fontRef>
+        </p:style>
+      </p:cxnSp>
+      <p:sp>
+        <p:nvSpPr>
+          <p:cNvPr id="51" name="TextBox 50"/>
+          <p:cNvSpPr txBox="1"/>
+          <p:nvPr/>
+        </p:nvSpPr>
+        <p:spPr>
+          <a:xfrm>
+            <a:off x="609600" y="3423000"/>
+            <a:ext cx="1371600" cy="861774"/>
+          </a:xfrm>
+          <a:prstGeom prst="rect">
+            <a:avLst/>
+          </a:prstGeom>
+          <a:noFill/>
+        </p:spPr>
+        <p:txBody>
+          <a:bodyPr wrap="square" rtlCol="0">
+            <a:spAutoFit/>
+          </a:bodyPr>
+          <a:lstStyle/>
+          <a:p>
+            <a:pPr algn="r"/>
+            <a:r>
+              <a:rPr lang="en-US" sz="1000" i="1" dirty="0" smtClean="0"/>
+              <a:t>Inject </a:t>
+            </a:r>
+            <a:r>
+              <a:rPr lang="en-US" sz="1000" i="1" dirty="0" smtClean="0"/>
+              <a:t> Smart Validation Results via </a:t>
+            </a:r>
+            <a:r>
+              <a:rPr lang="en-US" sz="1000" i="1" dirty="0" smtClean="0"/>
+              <a:t>Input </a:t>
+            </a:r>
+            <a:r>
+              <a:rPr lang="en-US" sz="1000" i="1" dirty="0" smtClean="0"/>
+              <a:t>Property, Triggering Change Detection</a:t>
+            </a:r>
+            <a:endParaRPr lang="en-US" sz="1000" i="1" dirty="0"/>
+          </a:p>
+        </p:txBody>
+      </p:sp>
+      <p:sp>
+        <p:nvSpPr>
+          <p:cNvPr id="58" name="Rectangle 57"/>
+          <p:cNvSpPr/>
+          <p:nvPr/>
+        </p:nvSpPr>
+        <p:spPr>
+          <a:xfrm>
+            <a:off x="2804229" y="6201907"/>
+            <a:ext cx="2923140" cy="397785"/>
+          </a:xfrm>
+          <a:prstGeom prst="rect">
+            <a:avLst/>
+          </a:prstGeom>
+          <a:solidFill>
+            <a:schemeClr val="accent1">
+              <a:alpha val="23000"/>
+            </a:schemeClr>
+          </a:solidFill>
+        </p:spPr>
+        <p:style>
+          <a:lnRef idx="2">
+            <a:schemeClr val="accent1">
+              <a:shade val="50000"/>
+            </a:schemeClr>
+          </a:lnRef>
+          <a:fillRef idx="1">
+            <a:schemeClr val="accent1"/>
+          </a:fillRef>
+          <a:effectRef idx="0">
+            <a:schemeClr val="accent1"/>
+          </a:effectRef>
+          <a:fontRef idx="minor">
+            <a:schemeClr val="lt1"/>
+          </a:fontRef>
+        </p:style>
+        <p:txBody>
+          <a:bodyPr rtlCol="0" anchor="ctr"/>
+          <a:lstStyle/>
+          <a:p>
+            <a:pPr algn="ctr"/>
+            <a:r>
+              <a:rPr lang="en-US" dirty="0" smtClean="0"/>
+              <a:t>Change Detection</a:t>
+            </a:r>
+            <a:endParaRPr lang="en-US" dirty="0"/>
+          </a:p>
+        </p:txBody>
+      </p:sp>
+      <p:sp>
+        <p:nvSpPr>
+          <p:cNvPr id="33" name="Rectangle 32"/>
+          <p:cNvSpPr/>
+          <p:nvPr/>
+        </p:nvSpPr>
+        <p:spPr>
+          <a:xfrm>
+            <a:off x="2804229" y="5076568"/>
+            <a:ext cx="1371601" cy="495300"/>
+          </a:xfrm>
+          <a:prstGeom prst="rect">
+            <a:avLst/>
+          </a:prstGeom>
+        </p:spPr>
+        <p:style>
+          <a:lnRef idx="2">
+            <a:schemeClr val="accent1">
+              <a:shade val="50000"/>
+            </a:schemeClr>
+          </a:lnRef>
+          <a:fillRef idx="1">
+            <a:schemeClr val="accent1"/>
+          </a:fillRef>
+          <a:effectRef idx="0">
+            <a:schemeClr val="accent1"/>
+          </a:effectRef>
+          <a:fontRef idx="minor">
+            <a:schemeClr val="lt1"/>
+          </a:fontRef>
+        </p:style>
+        <p:txBody>
+          <a:bodyPr rtlCol="0" anchor="ctr"/>
+          <a:lstStyle/>
+          <a:p>
+            <a:pPr algn="ctr"/>
+            <a:r>
+              <a:rPr lang="en-US" dirty="0" smtClean="0"/>
+              <a:t>Form Model</a:t>
+            </a:r>
+            <a:endParaRPr lang="en-US" dirty="0"/>
+          </a:p>
+        </p:txBody>
+      </p:sp>
+      <p:sp>
+        <p:nvSpPr>
+          <p:cNvPr id="35" name="Rectangle 34"/>
+          <p:cNvSpPr/>
+          <p:nvPr/>
+        </p:nvSpPr>
+        <p:spPr>
+          <a:xfrm>
+            <a:off x="2804229" y="2745208"/>
+            <a:ext cx="2901063" cy="2131591"/>
+          </a:xfrm>
+          <a:prstGeom prst="rect">
+            <a:avLst/>
+          </a:prstGeom>
+          <a:solidFill>
+            <a:schemeClr val="accent1">
+              <a:alpha val="23000"/>
+            </a:schemeClr>
+          </a:solidFill>
+        </p:spPr>
+        <p:style>
+          <a:lnRef idx="2">
+            <a:schemeClr val="accent1">
+              <a:shade val="50000"/>
+            </a:schemeClr>
+          </a:lnRef>
+          <a:fillRef idx="1">
+            <a:schemeClr val="accent1"/>
+          </a:fillRef>
+          <a:effectRef idx="0">
+            <a:schemeClr val="accent1"/>
+          </a:effectRef>
+          <a:fontRef idx="minor">
+            <a:schemeClr val="lt1"/>
+          </a:fontRef>
+        </p:style>
+        <p:txBody>
+          <a:bodyPr rtlCol="0" anchor="t" anchorCtr="0"/>
+          <a:lstStyle/>
+          <a:p>
+            <a:pPr algn="ctr"/>
+            <a:r>
+              <a:rPr lang="en-US" dirty="0" smtClean="0"/>
+              <a:t>Observer</a:t>
+            </a:r>
+            <a:endParaRPr lang="en-US" dirty="0"/>
+          </a:p>
+        </p:txBody>
+      </p:sp>
+      <p:sp>
+        <p:nvSpPr>
+          <p:cNvPr id="41" name="Rectangle 40"/>
+          <p:cNvSpPr/>
+          <p:nvPr/>
+        </p:nvSpPr>
+        <p:spPr>
+          <a:xfrm>
+            <a:off x="4333691" y="5076568"/>
+            <a:ext cx="1371601" cy="495300"/>
+          </a:xfrm>
+          <a:prstGeom prst="rect">
+            <a:avLst/>
+          </a:prstGeom>
+        </p:spPr>
+        <p:style>
+          <a:lnRef idx="2">
+            <a:schemeClr val="accent1">
+              <a:shade val="50000"/>
+            </a:schemeClr>
+          </a:lnRef>
+          <a:fillRef idx="1">
+            <a:schemeClr val="accent1"/>
+          </a:fillRef>
+          <a:effectRef idx="0">
+            <a:schemeClr val="accent1"/>
+          </a:effectRef>
+          <a:fontRef idx="minor">
+            <a:schemeClr val="lt1"/>
+          </a:fontRef>
+        </p:style>
+        <p:txBody>
+          <a:bodyPr rtlCol="0" anchor="ctr"/>
+          <a:lstStyle/>
+          <a:p>
+            <a:pPr algn="ctr"/>
+            <a:r>
+              <a:rPr lang="en-US" dirty="0" smtClean="0"/>
+              <a:t>Validators</a:t>
+            </a:r>
+            <a:endParaRPr lang="en-US" dirty="0"/>
+          </a:p>
+        </p:txBody>
+      </p:sp>
+      <p:sp>
+        <p:nvSpPr>
+          <p:cNvPr id="21" name="Flowchart: Decision 20"/>
+          <p:cNvSpPr/>
+          <p:nvPr/>
+        </p:nvSpPr>
+        <p:spPr>
+          <a:xfrm>
+            <a:off x="3266891" y="3210462"/>
+            <a:ext cx="1752600" cy="612648"/>
+          </a:xfrm>
+          <a:prstGeom prst="flowChartDecision">
+            <a:avLst/>
+          </a:prstGeom>
+        </p:spPr>
+        <p:style>
+          <a:lnRef idx="2">
+            <a:schemeClr val="accent6">
+              <a:shade val="50000"/>
+            </a:schemeClr>
+          </a:lnRef>
+          <a:fillRef idx="1">
+            <a:schemeClr val="accent6"/>
+          </a:fillRef>
+          <a:effectRef idx="0">
+            <a:schemeClr val="accent6"/>
+          </a:effectRef>
+          <a:fontRef idx="minor">
+            <a:schemeClr val="lt1"/>
+          </a:fontRef>
+        </p:style>
+        <p:txBody>
+          <a:bodyPr rtlCol="0" anchor="ctr"/>
+          <a:lstStyle/>
+          <a:p>
+            <a:pPr algn="ctr"/>
+            <a:r>
+              <a:rPr lang="en-US" sz="1050" dirty="0" smtClean="0"/>
+              <a:t>Emit Form Valid Change?</a:t>
+            </a:r>
+            <a:endParaRPr lang="en-US" sz="1050" dirty="0"/>
+          </a:p>
+        </p:txBody>
+      </p:sp>
+      <p:sp>
+        <p:nvSpPr>
+          <p:cNvPr id="32" name="Flowchart: Decision 31"/>
+          <p:cNvSpPr/>
+          <p:nvPr/>
+        </p:nvSpPr>
+        <p:spPr>
+          <a:xfrm>
+            <a:off x="3253360" y="4020394"/>
+            <a:ext cx="1752600" cy="684214"/>
+          </a:xfrm>
+          <a:prstGeom prst="flowChartDecision">
+            <a:avLst/>
+          </a:prstGeom>
+        </p:spPr>
+        <p:style>
+          <a:lnRef idx="2">
+            <a:schemeClr val="accent6">
+              <a:shade val="50000"/>
+            </a:schemeClr>
+          </a:lnRef>
+          <a:fillRef idx="1">
+            <a:schemeClr val="accent6"/>
+          </a:fillRef>
+          <a:effectRef idx="0">
+            <a:schemeClr val="accent6"/>
+          </a:effectRef>
+          <a:fontRef idx="minor">
+            <a:schemeClr val="lt1"/>
+          </a:fontRef>
+        </p:style>
+        <p:txBody>
+          <a:bodyPr rtlCol="0" anchor="ctr"/>
+          <a:lstStyle/>
+          <a:p>
+            <a:pPr algn="ctr"/>
+            <a:r>
+              <a:rPr lang="en-US" sz="1050" dirty="0" smtClean="0"/>
+              <a:t>Emit Do Smart Validation?</a:t>
+            </a:r>
+            <a:endParaRPr lang="en-US" sz="1050" dirty="0"/>
+          </a:p>
+        </p:txBody>
+      </p:sp>
+      <p:cxnSp>
+        <p:nvCxnSpPr>
+          <p:cNvPr id="18" name="Straight Arrow Connector 17"/>
+          <p:cNvCxnSpPr>
+            <a:endCxn id="33" idx="2"/>
+          </p:cNvCxnSpPr>
+          <p:nvPr/>
+        </p:nvCxnSpPr>
+        <p:spPr>
+          <a:xfrm flipV="1">
+            <a:off x="3490030" y="5571868"/>
+            <a:ext cx="0" cy="143132"/>
+          </a:xfrm>
+          <a:prstGeom prst="straightConnector1">
+            <a:avLst/>
+          </a:prstGeom>
+          <a:ln w="31750">
+            <a:solidFill>
+              <a:schemeClr val="tx1"/>
+            </a:solidFill>
+            <a:tailEnd type="triangle"/>
+          </a:ln>
+        </p:spPr>
+        <p:style>
+          <a:lnRef idx="1">
+            <a:schemeClr val="accent1"/>
+          </a:lnRef>
+          <a:fillRef idx="0">
+            <a:schemeClr val="accent1"/>
+          </a:fillRef>
+          <a:effectRef idx="0">
+            <a:schemeClr val="accent1"/>
+          </a:effectRef>
+          <a:fontRef idx="minor">
+            <a:schemeClr val="tx1"/>
+          </a:fontRef>
+        </p:style>
+      </p:cxnSp>
+      <p:cxnSp>
+        <p:nvCxnSpPr>
+          <p:cNvPr id="43" name="Straight Arrow Connector 42"/>
+          <p:cNvCxnSpPr/>
+          <p:nvPr/>
+        </p:nvCxnSpPr>
+        <p:spPr>
+          <a:xfrm>
+            <a:off x="4175830" y="5424444"/>
+            <a:ext cx="157861" cy="0"/>
+          </a:xfrm>
+          <a:prstGeom prst="straightConnector1">
+            <a:avLst/>
+          </a:prstGeom>
+          <a:ln w="31750">
+            <a:solidFill>
+              <a:schemeClr val="tx1"/>
+            </a:solidFill>
+            <a:tailEnd type="triangle"/>
+          </a:ln>
+        </p:spPr>
+        <p:style>
+          <a:lnRef idx="1">
+            <a:schemeClr val="accent1"/>
+          </a:lnRef>
+          <a:fillRef idx="0">
+            <a:schemeClr val="accent1"/>
+          </a:fillRef>
+          <a:effectRef idx="0">
+            <a:schemeClr val="accent1"/>
+          </a:effectRef>
+          <a:fontRef idx="minor">
+            <a:schemeClr val="tx1"/>
+          </a:fontRef>
+        </p:style>
+      </p:cxnSp>
+      <p:cxnSp>
+        <p:nvCxnSpPr>
+          <p:cNvPr id="49" name="Straight Arrow Connector 48"/>
+          <p:cNvCxnSpPr/>
+          <p:nvPr/>
+        </p:nvCxnSpPr>
+        <p:spPr>
+          <a:xfrm>
+            <a:off x="4175829" y="5257800"/>
+            <a:ext cx="157861" cy="0"/>
+          </a:xfrm>
+          <a:prstGeom prst="straightConnector1">
+            <a:avLst/>
+          </a:prstGeom>
+          <a:ln w="31750">
+            <a:solidFill>
+              <a:schemeClr val="tx1"/>
+            </a:solidFill>
+            <a:headEnd type="triangle"/>
+            <a:tailEnd type="none"/>
+          </a:ln>
+        </p:spPr>
+        <p:style>
+          <a:lnRef idx="1">
+            <a:schemeClr val="accent1"/>
+          </a:lnRef>
+          <a:fillRef idx="0">
+            <a:schemeClr val="accent1"/>
+          </a:fillRef>
+          <a:effectRef idx="0">
+            <a:schemeClr val="accent1"/>
+          </a:effectRef>
+          <a:fontRef idx="minor">
+            <a:schemeClr val="tx1"/>
+          </a:fontRef>
+        </p:style>
+      </p:cxnSp>
+      <p:cxnSp>
+        <p:nvCxnSpPr>
+          <p:cNvPr id="50" name="Straight Arrow Connector 49"/>
+          <p:cNvCxnSpPr/>
+          <p:nvPr/>
+        </p:nvCxnSpPr>
+        <p:spPr>
+          <a:xfrm flipV="1">
+            <a:off x="3947230" y="4876799"/>
+            <a:ext cx="0" cy="199769"/>
+          </a:xfrm>
+          <a:prstGeom prst="straightConnector1">
+            <a:avLst/>
+          </a:prstGeom>
+          <a:ln w="31750">
+            <a:solidFill>
+              <a:schemeClr val="tx1"/>
+            </a:solidFill>
+            <a:tailEnd type="triangle"/>
+          </a:ln>
+        </p:spPr>
+        <p:style>
+          <a:lnRef idx="1">
+            <a:schemeClr val="accent1"/>
+          </a:lnRef>
+          <a:fillRef idx="0">
+            <a:schemeClr val="accent1"/>
+          </a:fillRef>
+          <a:effectRef idx="0">
+            <a:schemeClr val="accent1"/>
+          </a:effectRef>
+          <a:fontRef idx="minor">
+            <a:schemeClr val="tx1"/>
+          </a:fontRef>
+        </p:style>
+      </p:cxnSp>
+      <p:cxnSp>
+        <p:nvCxnSpPr>
+          <p:cNvPr id="22" name="Straight Arrow Connector 21"/>
+          <p:cNvCxnSpPr>
+            <a:stCxn id="32" idx="3"/>
+          </p:cNvCxnSpPr>
+          <p:nvPr/>
+        </p:nvCxnSpPr>
+        <p:spPr>
+          <a:xfrm flipV="1">
+            <a:off x="5005960" y="1996533"/>
+            <a:ext cx="1699640" cy="2365968"/>
+          </a:xfrm>
+          <a:prstGeom prst="bentConnector2">
+            <a:avLst/>
+          </a:prstGeom>
+          <a:ln w="31750">
+            <a:solidFill>
+              <a:schemeClr val="tx1"/>
+            </a:solidFill>
+            <a:tailEnd type="triangle"/>
+          </a:ln>
+        </p:spPr>
+        <p:style>
+          <a:lnRef idx="1">
+            <a:schemeClr val="accent1"/>
+          </a:lnRef>
+          <a:fillRef idx="0">
+            <a:schemeClr val="accent1"/>
+          </a:fillRef>
+          <a:effectRef idx="0">
+            <a:schemeClr val="accent1"/>
+          </a:effectRef>
+          <a:fontRef idx="minor">
+            <a:schemeClr val="tx1"/>
+          </a:fontRef>
+        </p:style>
+      </p:cxnSp>
+      <p:cxnSp>
+        <p:nvCxnSpPr>
+          <p:cNvPr id="56" name="Straight Arrow Connector 55"/>
+          <p:cNvCxnSpPr>
+            <a:stCxn id="21" idx="3"/>
+          </p:cNvCxnSpPr>
+          <p:nvPr/>
+        </p:nvCxnSpPr>
+        <p:spPr>
+          <a:xfrm flipV="1">
+            <a:off x="5019491" y="1996534"/>
+            <a:ext cx="1381309" cy="1520252"/>
+          </a:xfrm>
+          <a:prstGeom prst="bentConnector2">
+            <a:avLst/>
+          </a:prstGeom>
+          <a:ln w="31750">
+            <a:solidFill>
+              <a:schemeClr val="tx1"/>
+            </a:solidFill>
+            <a:tailEnd type="triangle"/>
+          </a:ln>
+        </p:spPr>
+        <p:style>
+          <a:lnRef idx="1">
+            <a:schemeClr val="accent1"/>
+          </a:lnRef>
+          <a:fillRef idx="0">
+            <a:schemeClr val="accent1"/>
+          </a:fillRef>
+          <a:effectRef idx="0">
+            <a:schemeClr val="accent1"/>
+          </a:effectRef>
+          <a:fontRef idx="minor">
+            <a:schemeClr val="tx1"/>
+          </a:fontRef>
+        </p:style>
+      </p:cxnSp>
+      <p:sp>
+        <p:nvSpPr>
+          <p:cNvPr id="61" name="TextBox 60"/>
+          <p:cNvSpPr txBox="1"/>
+          <p:nvPr/>
+        </p:nvSpPr>
+        <p:spPr>
+          <a:xfrm>
+            <a:off x="5182414" y="3236754"/>
+            <a:ext cx="272832" cy="307777"/>
+          </a:xfrm>
+          <a:prstGeom prst="rect">
+            <a:avLst/>
+          </a:prstGeom>
+          <a:noFill/>
+        </p:spPr>
+        <p:txBody>
+          <a:bodyPr wrap="none" rtlCol="0">
+            <a:spAutoFit/>
+          </a:bodyPr>
+          <a:lstStyle/>
+          <a:p>
+            <a:r>
+              <a:rPr lang="en-US" sz="1400" dirty="0" smtClean="0"/>
+              <a:t>Y</a:t>
+            </a:r>
+            <a:endParaRPr lang="en-US" sz="1400" dirty="0"/>
+          </a:p>
+        </p:txBody>
+      </p:sp>
+      <p:sp>
+        <p:nvSpPr>
+          <p:cNvPr id="64" name="TextBox 63"/>
+          <p:cNvSpPr txBox="1"/>
+          <p:nvPr/>
+        </p:nvSpPr>
+        <p:spPr>
+          <a:xfrm>
+            <a:off x="5111516" y="4068289"/>
+            <a:ext cx="272832" cy="307777"/>
+          </a:xfrm>
+          <a:prstGeom prst="rect">
+            <a:avLst/>
+          </a:prstGeom>
+          <a:noFill/>
+        </p:spPr>
+        <p:txBody>
+          <a:bodyPr wrap="none" rtlCol="0">
+            <a:spAutoFit/>
+          </a:bodyPr>
+          <a:lstStyle/>
+          <a:p>
+            <a:r>
+              <a:rPr lang="en-US" sz="1400" dirty="0" smtClean="0"/>
+              <a:t>Y</a:t>
+            </a:r>
+            <a:endParaRPr lang="en-US" sz="1400" dirty="0"/>
+          </a:p>
+        </p:txBody>
+      </p:sp>
+      <p:sp>
+        <p:nvSpPr>
+          <p:cNvPr id="72" name="Rectangle 71"/>
+          <p:cNvSpPr/>
+          <p:nvPr/>
+        </p:nvSpPr>
+        <p:spPr>
+          <a:xfrm>
+            <a:off x="1699799" y="498666"/>
+            <a:ext cx="5242630" cy="366067"/>
+          </a:xfrm>
+          <a:prstGeom prst="rect">
+            <a:avLst/>
+          </a:prstGeom>
+        </p:spPr>
+        <p:style>
+          <a:lnRef idx="2">
+            <a:schemeClr val="accent4">
+              <a:shade val="50000"/>
+            </a:schemeClr>
+          </a:lnRef>
+          <a:fillRef idx="1">
+            <a:schemeClr val="accent4"/>
+          </a:fillRef>
+          <a:effectRef idx="0">
+            <a:schemeClr val="accent4"/>
+          </a:effectRef>
+          <a:fontRef idx="minor">
+            <a:schemeClr val="lt1"/>
+          </a:fontRef>
+        </p:style>
+        <p:txBody>
+          <a:bodyPr rtlCol="0" anchor="ctr"/>
+          <a:lstStyle/>
+          <a:p>
+            <a:pPr algn="ctr"/>
+            <a:r>
+              <a:rPr lang="en-US" dirty="0" smtClean="0"/>
+              <a:t>External Resource (Server Call)</a:t>
+            </a:r>
+            <a:endParaRPr lang="en-US" dirty="0"/>
+          </a:p>
+        </p:txBody>
+      </p:sp>
+      <p:cxnSp>
+        <p:nvCxnSpPr>
+          <p:cNvPr id="73" name="Straight Arrow Connector 72"/>
+          <p:cNvCxnSpPr/>
+          <p:nvPr/>
+        </p:nvCxnSpPr>
+        <p:spPr>
+          <a:xfrm flipV="1">
+            <a:off x="6694313" y="864733"/>
+            <a:ext cx="0" cy="171618"/>
+          </a:xfrm>
+          <a:prstGeom prst="straightConnector1">
+            <a:avLst/>
+          </a:prstGeom>
+          <a:ln w="31750">
+            <a:solidFill>
+              <a:schemeClr val="tx1"/>
+            </a:solidFill>
+            <a:tailEnd type="triangle"/>
+          </a:ln>
+        </p:spPr>
+        <p:style>
+          <a:lnRef idx="1">
+            <a:schemeClr val="accent1"/>
+          </a:lnRef>
+          <a:fillRef idx="0">
+            <a:schemeClr val="accent1"/>
+          </a:fillRef>
+          <a:effectRef idx="0">
+            <a:schemeClr val="accent1"/>
+          </a:effectRef>
+          <a:fontRef idx="minor">
+            <a:schemeClr val="tx1"/>
+          </a:fontRef>
+        </p:style>
+      </p:cxnSp>
+      <p:cxnSp>
+        <p:nvCxnSpPr>
+          <p:cNvPr id="74" name="Straight Arrow Connector 73"/>
+          <p:cNvCxnSpPr/>
+          <p:nvPr/>
+        </p:nvCxnSpPr>
+        <p:spPr>
+          <a:xfrm flipV="1">
+            <a:off x="1981200" y="865268"/>
+            <a:ext cx="0" cy="171618"/>
+          </a:xfrm>
+          <a:prstGeom prst="straightConnector1">
+            <a:avLst/>
+          </a:prstGeom>
+          <a:ln w="31750">
+            <a:solidFill>
+              <a:schemeClr val="tx1"/>
+            </a:solidFill>
+            <a:headEnd type="triangle"/>
+            <a:tailEnd type="none"/>
+          </a:ln>
+        </p:spPr>
+        <p:style>
+          <a:lnRef idx="1">
+            <a:schemeClr val="accent1"/>
+          </a:lnRef>
+          <a:fillRef idx="0">
+            <a:schemeClr val="accent1"/>
+          </a:fillRef>
+          <a:effectRef idx="0">
+            <a:schemeClr val="accent1"/>
+          </a:effectRef>
+          <a:fontRef idx="minor">
+            <a:schemeClr val="tx1"/>
+          </a:fontRef>
+        </p:style>
+      </p:cxnSp>
+      <p:cxnSp>
+        <p:nvCxnSpPr>
+          <p:cNvPr id="76" name="Straight Arrow Connector 75"/>
+          <p:cNvCxnSpPr/>
+          <p:nvPr/>
+        </p:nvCxnSpPr>
+        <p:spPr>
+          <a:xfrm flipV="1">
+            <a:off x="1981200" y="1447459"/>
+            <a:ext cx="0" cy="171618"/>
+          </a:xfrm>
+          <a:prstGeom prst="straightConnector1">
+            <a:avLst/>
+          </a:prstGeom>
+          <a:ln w="31750">
+            <a:solidFill>
+              <a:schemeClr val="tx1"/>
+            </a:solidFill>
+            <a:headEnd type="triangle"/>
+            <a:tailEnd type="none"/>
+          </a:ln>
+        </p:spPr>
+        <p:style>
+          <a:lnRef idx="1">
+            <a:schemeClr val="accent1"/>
+          </a:lnRef>
+          <a:fillRef idx="0">
+            <a:schemeClr val="accent1"/>
+          </a:fillRef>
+          <a:effectRef idx="0">
+            <a:schemeClr val="accent1"/>
+          </a:effectRef>
+          <a:fontRef idx="minor">
+            <a:schemeClr val="tx1"/>
+          </a:fontRef>
+        </p:style>
+      </p:cxnSp>
+      <p:cxnSp>
+        <p:nvCxnSpPr>
+          <p:cNvPr id="77" name="Straight Arrow Connector 76"/>
+          <p:cNvCxnSpPr/>
+          <p:nvPr/>
+        </p:nvCxnSpPr>
+        <p:spPr>
+          <a:xfrm rot="16200000" flipV="1">
+            <a:off x="166701" y="3839470"/>
+            <a:ext cx="4452030" cy="823029"/>
+          </a:xfrm>
+          <a:prstGeom prst="bentConnector3">
+            <a:avLst>
+              <a:gd name="adj1" fmla="val -100"/>
+            </a:avLst>
+          </a:prstGeom>
+          <a:ln w="31750">
+            <a:solidFill>
+              <a:schemeClr val="tx1"/>
+            </a:solidFill>
+            <a:headEnd type="triangle"/>
+            <a:tailEnd type="none"/>
+          </a:ln>
+        </p:spPr>
+        <p:style>
+          <a:lnRef idx="1">
+            <a:schemeClr val="accent1"/>
+          </a:lnRef>
+          <a:fillRef idx="0">
+            <a:schemeClr val="accent1"/>
+          </a:fillRef>
+          <a:effectRef idx="0">
+            <a:schemeClr val="accent1"/>
+          </a:effectRef>
+          <a:fontRef idx="minor">
+            <a:schemeClr val="tx1"/>
+          </a:fontRef>
+        </p:style>
+      </p:cxnSp>
+    </p:spTree>
+    <p:extLst>
+      <p:ext uri="{BB962C8B-B14F-4D97-AF65-F5344CB8AC3E}">
+        <p14:creationId xmlns:p14="http://schemas.microsoft.com/office/powerpoint/2010/main" val="2820264535"/>
+      </p:ext>
+    </p:extLst>
+  </p:cSld>
+  <p:clrMapOvr>
+    <a:masterClrMapping/>
+  </p:clrMapOvr>
+</p:sld>
+</file>
+
+<file path=ppt/slides/slide5.xml><?xml version="1.0" encoding="utf-8"?>
+<p:sld xmlns:a="http://schemas.openxmlformats.org/drawingml/2006/main" xmlns:r="http://schemas.openxmlformats.org/officeDocument/2006/relationships" xmlns:p="http://schemas.openxmlformats.org/presentationml/2006/main">
+  <p:cSld>
+    <p:spTree>
+      <p:nvGrpSpPr>
+        <p:cNvPr id="1" name=""/>
+        <p:cNvGrpSpPr/>
+        <p:nvPr/>
+      </p:nvGrpSpPr>
+      <p:grpSpPr>
+        <a:xfrm>
+          <a:off x="0" y="0"/>
+          <a:ext cx="0" cy="0"/>
+          <a:chOff x="0" y="0"/>
+          <a:chExt cx="0" cy="0"/>
+        </a:xfrm>
+      </p:grpSpPr>
+      <p:sp>
+        <p:nvSpPr>
           <p:cNvPr id="4" name="Rectangle 3"/>
           <p:cNvSpPr/>
           <p:nvPr/>
@@ -7296,7 +8510,6 @@
               <a:rPr lang="en-US" sz="1400" dirty="0"/>
               <a:t>A</a:t>
             </a:r>
-            <a:endParaRPr lang="en-US" sz="1400" dirty="0"/>
           </a:p>
         </p:txBody>
       </p:sp>
@@ -7356,7 +8569,6 @@
               <a:rPr lang="en-US" sz="1400" dirty="0"/>
               <a:t>N</a:t>
             </a:r>
-            <a:endParaRPr lang="en-US" sz="1400" dirty="0"/>
           </a:p>
         </p:txBody>
       </p:sp>
@@ -7416,7 +8628,6 @@
               <a:rPr lang="en-US" sz="1400" dirty="0"/>
               <a:t>N</a:t>
             </a:r>
-            <a:endParaRPr lang="en-US" sz="1400" dirty="0"/>
           </a:p>
         </p:txBody>
       </p:sp>
@@ -7476,7 +8687,6 @@
               <a:rPr lang="en-US" sz="1400" u="sng" dirty="0"/>
               <a:t>1</a:t>
             </a:r>
-            <a:endParaRPr lang="en-US" sz="1400" u="sng" dirty="0"/>
           </a:p>
         </p:txBody>
       </p:sp>
@@ -7506,7 +8716,6 @@
               <a:rPr lang="en-US" sz="1400" u="sng" dirty="0"/>
               <a:t>2</a:t>
             </a:r>
-            <a:endParaRPr lang="en-US" sz="1400" u="sng" dirty="0"/>
           </a:p>
         </p:txBody>
       </p:sp>

--- a/resources/images/programming/Angular2ArchDrawings.pptx
+++ b/resources/images/programming/Angular2ArchDrawings.pptx
@@ -3107,8 +3107,8 @@
         </p:nvSpPr>
         <p:spPr>
           <a:xfrm>
-            <a:off x="2362200" y="5237286"/>
-            <a:ext cx="3048000" cy="695068"/>
+            <a:off x="2605215" y="4853718"/>
+            <a:ext cx="4530969" cy="695068"/>
           </a:xfrm>
           <a:prstGeom prst="rect">
             <a:avLst/>
@@ -3151,7 +3151,7 @@
         </p:nvSpPr>
         <p:spPr>
           <a:xfrm>
-            <a:off x="2349844" y="4237418"/>
+            <a:off x="2592860" y="3853850"/>
             <a:ext cx="4543325" cy="771268"/>
           </a:xfrm>
           <a:prstGeom prst="rect">
@@ -3187,14 +3187,14 @@
       </p:sp>
       <p:sp>
         <p:nvSpPr>
-          <p:cNvPr id="6" name="Rectangle 5"/>
+          <p:cNvPr id="7" name="Rectangle 6"/>
           <p:cNvSpPr/>
           <p:nvPr/>
         </p:nvSpPr>
         <p:spPr>
-          <a:xfrm>
-            <a:off x="5578719" y="5237286"/>
-            <a:ext cx="1314450" cy="695068"/>
+          <a:xfrm rot="16200000">
+            <a:off x="-220660" y="2594707"/>
+            <a:ext cx="4441820" cy="771269"/>
           </a:xfrm>
           <a:prstGeom prst="rect">
             <a:avLst/>
@@ -3223,50 +3223,6 @@
             <a:pPr algn="ctr"/>
             <a:r>
               <a:rPr lang="en-US" dirty="0" smtClean="0"/>
-              <a:t>Form Model</a:t>
-            </a:r>
-            <a:endParaRPr lang="en-US" dirty="0"/>
-          </a:p>
-        </p:txBody>
-      </p:sp>
-      <p:sp>
-        <p:nvSpPr>
-          <p:cNvPr id="7" name="Rectangle 6"/>
-          <p:cNvSpPr/>
-          <p:nvPr/>
-        </p:nvSpPr>
-        <p:spPr>
-          <a:xfrm rot="16200000">
-            <a:off x="-653324" y="3167923"/>
-            <a:ext cx="4821115" cy="771269"/>
-          </a:xfrm>
-          <a:prstGeom prst="rect">
-            <a:avLst/>
-          </a:prstGeom>
-        </p:spPr>
-        <p:style>
-          <a:lnRef idx="2">
-            <a:schemeClr val="accent1">
-              <a:shade val="50000"/>
-            </a:schemeClr>
-          </a:lnRef>
-          <a:fillRef idx="1">
-            <a:schemeClr val="accent1"/>
-          </a:fillRef>
-          <a:effectRef idx="0">
-            <a:schemeClr val="accent1"/>
-          </a:effectRef>
-          <a:fontRef idx="minor">
-            <a:schemeClr val="lt1"/>
-          </a:fontRef>
-        </p:style>
-        <p:txBody>
-          <a:bodyPr rtlCol="0" anchor="ctr"/>
-          <a:lstStyle/>
-          <a:p>
-            <a:pPr algn="ctr"/>
-            <a:r>
-              <a:rPr lang="en-US" dirty="0" smtClean="0"/>
               <a:t>MODEL CLASSES</a:t>
             </a:r>
             <a:endParaRPr lang="en-US" dirty="0"/>
@@ -3281,7 +3237,7 @@
         </p:nvSpPr>
         <p:spPr>
           <a:xfrm>
-            <a:off x="2349844" y="3246818"/>
+            <a:off x="2592860" y="2863250"/>
             <a:ext cx="2755555" cy="771268"/>
           </a:xfrm>
           <a:prstGeom prst="rect">
@@ -3332,7 +3288,7 @@
         </p:nvSpPr>
         <p:spPr>
           <a:xfrm>
-            <a:off x="2362201" y="2133601"/>
+            <a:off x="2605217" y="1750033"/>
             <a:ext cx="1295399" cy="771268"/>
           </a:xfrm>
           <a:prstGeom prst="rect">
@@ -3376,7 +3332,7 @@
         </p:nvSpPr>
         <p:spPr>
           <a:xfrm>
-            <a:off x="2349844" y="1143001"/>
+            <a:off x="2592860" y="759433"/>
             <a:ext cx="1307756" cy="771268"/>
           </a:xfrm>
           <a:prstGeom prst="rect">
@@ -3420,7 +3376,7 @@
         </p:nvSpPr>
         <p:spPr>
           <a:xfrm>
-            <a:off x="4495800" y="2118947"/>
+            <a:off x="4738816" y="1735379"/>
             <a:ext cx="2397369" cy="1899139"/>
           </a:xfrm>
           <a:custGeom>
@@ -3529,7 +3485,7 @@
         </p:nvSpPr>
         <p:spPr>
           <a:xfrm>
-            <a:off x="0" y="224135"/>
+            <a:off x="0" y="0"/>
             <a:ext cx="9144000" cy="461665"/>
           </a:xfrm>
           <a:prstGeom prst="rect">
@@ -3568,7 +3524,7 @@
         </p:nvSpPr>
         <p:spPr>
           <a:xfrm>
-            <a:off x="3830595" y="1128584"/>
+            <a:off x="4073611" y="745016"/>
             <a:ext cx="3031524" cy="1762897"/>
           </a:xfrm>
           <a:custGeom>
@@ -3666,6 +3622,148 @@
             <a:r>
               <a:rPr lang="en-US" dirty="0" smtClean="0"/>
               <a:t>External Resources</a:t>
+            </a:r>
+            <a:endParaRPr lang="en-US" dirty="0"/>
+          </a:p>
+        </p:txBody>
+      </p:sp>
+      <p:sp>
+        <p:nvSpPr>
+          <p:cNvPr id="13" name="Rectangle 12"/>
+          <p:cNvSpPr/>
+          <p:nvPr/>
+        </p:nvSpPr>
+        <p:spPr>
+          <a:xfrm>
+            <a:off x="2590800" y="5721409"/>
+            <a:ext cx="1314450" cy="695068"/>
+          </a:xfrm>
+          <a:prstGeom prst="rect">
+            <a:avLst/>
+          </a:prstGeom>
+          <a:solidFill>
+            <a:schemeClr val="accent1">
+              <a:alpha val="68000"/>
+            </a:schemeClr>
+          </a:solidFill>
+        </p:spPr>
+        <p:style>
+          <a:lnRef idx="2">
+            <a:schemeClr val="accent1">
+              <a:shade val="50000"/>
+            </a:schemeClr>
+          </a:lnRef>
+          <a:fillRef idx="1">
+            <a:schemeClr val="accent1"/>
+          </a:fillRef>
+          <a:effectRef idx="0">
+            <a:schemeClr val="accent1"/>
+          </a:effectRef>
+          <a:fontRef idx="minor">
+            <a:schemeClr val="lt1"/>
+          </a:fontRef>
+        </p:style>
+        <p:txBody>
+          <a:bodyPr rtlCol="0" anchor="ctr"/>
+          <a:lstStyle/>
+          <a:p>
+            <a:pPr algn="ctr"/>
+            <a:r>
+              <a:rPr lang="en-US" dirty="0" smtClean="0"/>
+              <a:t>Form</a:t>
+            </a:r>
+            <a:endParaRPr lang="en-US" dirty="0"/>
+          </a:p>
+        </p:txBody>
+      </p:sp>
+      <p:sp>
+        <p:nvSpPr>
+          <p:cNvPr id="15" name="Rectangle 14"/>
+          <p:cNvSpPr/>
+          <p:nvPr/>
+        </p:nvSpPr>
+        <p:spPr>
+          <a:xfrm>
+            <a:off x="1614614" y="5334000"/>
+            <a:ext cx="771271" cy="1082477"/>
+          </a:xfrm>
+          <a:prstGeom prst="rect">
+            <a:avLst/>
+          </a:prstGeom>
+        </p:spPr>
+        <p:style>
+          <a:lnRef idx="2">
+            <a:schemeClr val="accent1">
+              <a:shade val="50000"/>
+            </a:schemeClr>
+          </a:lnRef>
+          <a:fillRef idx="1">
+            <a:schemeClr val="accent1"/>
+          </a:fillRef>
+          <a:effectRef idx="0">
+            <a:schemeClr val="accent1"/>
+          </a:effectRef>
+          <a:fontRef idx="minor">
+            <a:schemeClr val="lt1"/>
+          </a:fontRef>
+        </p:style>
+        <p:txBody>
+          <a:bodyPr rtlCol="0" anchor="ctr"/>
+          <a:lstStyle/>
+          <a:p>
+            <a:pPr algn="ctr"/>
+            <a:r>
+              <a:rPr lang="en-US" sz="1600" dirty="0" smtClean="0"/>
+              <a:t>Form Model</a:t>
+            </a:r>
+            <a:endParaRPr lang="en-US" sz="1600" dirty="0"/>
+          </a:p>
+        </p:txBody>
+      </p:sp>
+      <p:sp>
+        <p:nvSpPr>
+          <p:cNvPr id="16" name="Rectangle 15"/>
+          <p:cNvSpPr/>
+          <p:nvPr/>
+        </p:nvSpPr>
+        <p:spPr>
+          <a:xfrm>
+            <a:off x="4073611" y="5721409"/>
+            <a:ext cx="3062574" cy="695068"/>
+          </a:xfrm>
+          <a:prstGeom prst="rect">
+            <a:avLst/>
+          </a:prstGeom>
+          <a:solidFill>
+            <a:schemeClr val="accent1">
+              <a:alpha val="68000"/>
+            </a:schemeClr>
+          </a:solidFill>
+        </p:spPr>
+        <p:style>
+          <a:lnRef idx="2">
+            <a:schemeClr val="accent1">
+              <a:shade val="50000"/>
+            </a:schemeClr>
+          </a:lnRef>
+          <a:fillRef idx="1">
+            <a:schemeClr val="accent1"/>
+          </a:fillRef>
+          <a:effectRef idx="0">
+            <a:schemeClr val="accent1"/>
+          </a:effectRef>
+          <a:fontRef idx="minor">
+            <a:schemeClr val="lt1"/>
+          </a:fontRef>
+        </p:style>
+        <p:txBody>
+          <a:bodyPr rtlCol="0" anchor="ctr"/>
+          <a:lstStyle/>
+          <a:p>
+            <a:pPr algn="ctr"/>
+            <a:r>
+              <a:rPr lang="en-US" dirty="0" smtClean="0"/>
+              <a:t>Angular Forms API</a:t>
             </a:r>
             <a:endParaRPr lang="en-US" dirty="0"/>
           </a:p>

--- a/resources/images/programming/Angular2ArchDrawings.pptx
+++ b/resources/images/programming/Angular2ArchDrawings.pptx
@@ -8391,24 +8391,878 @@
           </a:fontRef>
         </p:style>
       </p:cxnSp>
+      <p:sp>
+        <p:nvSpPr>
+          <p:cNvPr id="95" name="TextBox 94"/>
+          <p:cNvSpPr txBox="1"/>
+          <p:nvPr/>
+        </p:nvSpPr>
+        <p:spPr>
+          <a:xfrm>
+            <a:off x="365999" y="6549633"/>
+            <a:ext cx="1527919" cy="307777"/>
+          </a:xfrm>
+          <a:prstGeom prst="rect">
+            <a:avLst/>
+          </a:prstGeom>
+          <a:noFill/>
+        </p:spPr>
+        <p:txBody>
+          <a:bodyPr wrap="none" rtlCol="0">
+            <a:spAutoFit/>
+          </a:bodyPr>
+          <a:lstStyle/>
+          <a:p>
+            <a:r>
+              <a:rPr lang="en-US" sz="1400" dirty="0" smtClean="0"/>
+              <a:t>Dumb Component</a:t>
+            </a:r>
+            <a:endParaRPr lang="en-US" sz="1400" dirty="0"/>
+          </a:p>
+        </p:txBody>
+      </p:sp>
+      <p:sp>
+        <p:nvSpPr>
+          <p:cNvPr id="96" name="TextBox 95"/>
+          <p:cNvSpPr txBox="1"/>
+          <p:nvPr/>
+        </p:nvSpPr>
+        <p:spPr>
+          <a:xfrm>
+            <a:off x="408198" y="6234579"/>
+            <a:ext cx="1519903" cy="307777"/>
+          </a:xfrm>
+          <a:prstGeom prst="rect">
+            <a:avLst/>
+          </a:prstGeom>
+          <a:noFill/>
+        </p:spPr>
+        <p:txBody>
+          <a:bodyPr wrap="none" rtlCol="0">
+            <a:spAutoFit/>
+          </a:bodyPr>
+          <a:lstStyle/>
+          <a:p>
+            <a:r>
+              <a:rPr lang="en-US" sz="1400" dirty="0" smtClean="0"/>
+              <a:t>Smart Component</a:t>
+            </a:r>
+            <a:endParaRPr lang="en-US" sz="1400" dirty="0"/>
+          </a:p>
+        </p:txBody>
+      </p:sp>
+      <p:sp>
+        <p:nvSpPr>
+          <p:cNvPr id="97" name="TextBox 96"/>
+          <p:cNvSpPr txBox="1"/>
+          <p:nvPr/>
+        </p:nvSpPr>
+        <p:spPr>
+          <a:xfrm>
+            <a:off x="408198" y="5962198"/>
+            <a:ext cx="1609736" cy="307777"/>
+          </a:xfrm>
+          <a:prstGeom prst="rect">
+            <a:avLst/>
+          </a:prstGeom>
+          <a:noFill/>
+        </p:spPr>
+        <p:txBody>
+          <a:bodyPr wrap="none" rtlCol="0">
+            <a:spAutoFit/>
+          </a:bodyPr>
+          <a:lstStyle/>
+          <a:p>
+            <a:r>
+              <a:rPr lang="en-US" sz="1400" dirty="0" smtClean="0"/>
+              <a:t>Component Service</a:t>
+            </a:r>
+            <a:endParaRPr lang="en-US" sz="1400" dirty="0"/>
+          </a:p>
+        </p:txBody>
+      </p:sp>
+      <p:sp>
+        <p:nvSpPr>
+          <p:cNvPr id="98" name="TextBox 97"/>
+          <p:cNvSpPr txBox="1"/>
+          <p:nvPr/>
+        </p:nvSpPr>
+        <p:spPr>
+          <a:xfrm>
+            <a:off x="408198" y="5689817"/>
+            <a:ext cx="1320361" cy="307777"/>
+          </a:xfrm>
+          <a:prstGeom prst="rect">
+            <a:avLst/>
+          </a:prstGeom>
+          <a:noFill/>
+        </p:spPr>
+        <p:txBody>
+          <a:bodyPr wrap="none" rtlCol="0">
+            <a:spAutoFit/>
+          </a:bodyPr>
+          <a:lstStyle/>
+          <a:p>
+            <a:r>
+              <a:rPr lang="en-US" sz="1400" dirty="0" smtClean="0"/>
+              <a:t>Reducer / Store</a:t>
+            </a:r>
+            <a:endParaRPr lang="en-US" sz="1400" dirty="0"/>
+          </a:p>
+        </p:txBody>
+      </p:sp>
+      <p:sp>
+        <p:nvSpPr>
+          <p:cNvPr id="99" name="TextBox 98"/>
+          <p:cNvSpPr txBox="1"/>
+          <p:nvPr/>
+        </p:nvSpPr>
+        <p:spPr>
+          <a:xfrm>
+            <a:off x="7238288" y="1373124"/>
+            <a:ext cx="282450" cy="307777"/>
+          </a:xfrm>
+          <a:prstGeom prst="rect">
+            <a:avLst/>
+          </a:prstGeom>
+          <a:noFill/>
+        </p:spPr>
+        <p:txBody>
+          <a:bodyPr wrap="none" rtlCol="0">
+            <a:spAutoFit/>
+          </a:bodyPr>
+          <a:lstStyle/>
+          <a:p>
+            <a:r>
+              <a:rPr lang="en-US" sz="1400" dirty="0" smtClean="0"/>
+              <a:t>B</a:t>
+            </a:r>
+            <a:endParaRPr lang="en-US" sz="1400" dirty="0"/>
+          </a:p>
+        </p:txBody>
+      </p:sp>
+      <p:sp>
+        <p:nvSpPr>
+          <p:cNvPr id="100" name="TextBox 99"/>
+          <p:cNvSpPr txBox="1"/>
+          <p:nvPr/>
+        </p:nvSpPr>
+        <p:spPr>
+          <a:xfrm>
+            <a:off x="6499829" y="2235008"/>
+            <a:ext cx="288862" cy="307777"/>
+          </a:xfrm>
+          <a:prstGeom prst="rect">
+            <a:avLst/>
+          </a:prstGeom>
+          <a:noFill/>
+        </p:spPr>
+        <p:txBody>
+          <a:bodyPr wrap="none" rtlCol="0">
+            <a:spAutoFit/>
+          </a:bodyPr>
+          <a:lstStyle/>
+          <a:p>
+            <a:r>
+              <a:rPr lang="en-US" sz="1400" dirty="0"/>
+              <a:t>A</a:t>
+            </a:r>
+          </a:p>
+        </p:txBody>
+      </p:sp>
+      <p:sp>
+        <p:nvSpPr>
+          <p:cNvPr id="101" name="TextBox 100"/>
+          <p:cNvSpPr txBox="1"/>
+          <p:nvPr/>
+        </p:nvSpPr>
+        <p:spPr>
+          <a:xfrm>
+            <a:off x="4518483" y="1446347"/>
+            <a:ext cx="272832" cy="307777"/>
+          </a:xfrm>
+          <a:prstGeom prst="rect">
+            <a:avLst/>
+          </a:prstGeom>
+          <a:noFill/>
+        </p:spPr>
+        <p:txBody>
+          <a:bodyPr wrap="none" rtlCol="0">
+            <a:spAutoFit/>
+          </a:bodyPr>
+          <a:lstStyle/>
+          <a:p>
+            <a:r>
+              <a:rPr lang="en-US" sz="1400" dirty="0" smtClean="0"/>
+              <a:t>Y</a:t>
+            </a:r>
+            <a:endParaRPr lang="en-US" sz="1400" dirty="0"/>
+          </a:p>
+        </p:txBody>
+      </p:sp>
+      <p:sp>
+        <p:nvSpPr>
+          <p:cNvPr id="102" name="TextBox 101"/>
+          <p:cNvSpPr txBox="1"/>
+          <p:nvPr/>
+        </p:nvSpPr>
+        <p:spPr>
+          <a:xfrm>
+            <a:off x="3657600" y="2017768"/>
+            <a:ext cx="300082" cy="307777"/>
+          </a:xfrm>
+          <a:prstGeom prst="rect">
+            <a:avLst/>
+          </a:prstGeom>
+          <a:noFill/>
+        </p:spPr>
+        <p:txBody>
+          <a:bodyPr wrap="none" rtlCol="0">
+            <a:spAutoFit/>
+          </a:bodyPr>
+          <a:lstStyle/>
+          <a:p>
+            <a:r>
+              <a:rPr lang="en-US" sz="1400" dirty="0"/>
+              <a:t>N</a:t>
+            </a:r>
+          </a:p>
+        </p:txBody>
+      </p:sp>
+      <p:sp>
+        <p:nvSpPr>
+          <p:cNvPr id="103" name="TextBox 102"/>
+          <p:cNvSpPr txBox="1"/>
+          <p:nvPr/>
+        </p:nvSpPr>
+        <p:spPr>
+          <a:xfrm>
+            <a:off x="2325302" y="3999011"/>
+            <a:ext cx="272832" cy="307777"/>
+          </a:xfrm>
+          <a:prstGeom prst="rect">
+            <a:avLst/>
+          </a:prstGeom>
+          <a:noFill/>
+        </p:spPr>
+        <p:txBody>
+          <a:bodyPr wrap="none" rtlCol="0">
+            <a:spAutoFit/>
+          </a:bodyPr>
+          <a:lstStyle/>
+          <a:p>
+            <a:r>
+              <a:rPr lang="en-US" sz="1400" dirty="0" smtClean="0"/>
+              <a:t>Y</a:t>
+            </a:r>
+            <a:endParaRPr lang="en-US" sz="1400" dirty="0"/>
+          </a:p>
+        </p:txBody>
+      </p:sp>
+      <p:sp>
+        <p:nvSpPr>
+          <p:cNvPr id="104" name="TextBox 103"/>
+          <p:cNvSpPr txBox="1"/>
+          <p:nvPr/>
+        </p:nvSpPr>
+        <p:spPr>
+          <a:xfrm>
+            <a:off x="3561871" y="4625010"/>
+            <a:ext cx="300082" cy="307777"/>
+          </a:xfrm>
+          <a:prstGeom prst="rect">
+            <a:avLst/>
+          </a:prstGeom>
+          <a:noFill/>
+        </p:spPr>
+        <p:txBody>
+          <a:bodyPr wrap="none" rtlCol="0">
+            <a:spAutoFit/>
+          </a:bodyPr>
+          <a:lstStyle/>
+          <a:p>
+            <a:r>
+              <a:rPr lang="en-US" sz="1400" dirty="0"/>
+              <a:t>N</a:t>
+            </a:r>
+          </a:p>
+        </p:txBody>
+      </p:sp>
+      <p:sp>
+        <p:nvSpPr>
+          <p:cNvPr id="105" name="TextBox 104"/>
+          <p:cNvSpPr txBox="1"/>
+          <p:nvPr/>
+        </p:nvSpPr>
+        <p:spPr>
+          <a:xfrm>
+            <a:off x="3575496" y="5628502"/>
+            <a:ext cx="272832" cy="307777"/>
+          </a:xfrm>
+          <a:prstGeom prst="rect">
+            <a:avLst/>
+          </a:prstGeom>
+          <a:noFill/>
+        </p:spPr>
+        <p:txBody>
+          <a:bodyPr wrap="none" rtlCol="0">
+            <a:spAutoFit/>
+          </a:bodyPr>
+          <a:lstStyle/>
+          <a:p>
+            <a:r>
+              <a:rPr lang="en-US" sz="1400" dirty="0" smtClean="0"/>
+              <a:t>Y</a:t>
+            </a:r>
+            <a:endParaRPr lang="en-US" sz="1400" dirty="0"/>
+          </a:p>
+        </p:txBody>
+      </p:sp>
+      <p:sp>
+        <p:nvSpPr>
+          <p:cNvPr id="113" name="TextBox 112"/>
+          <p:cNvSpPr txBox="1"/>
+          <p:nvPr/>
+        </p:nvSpPr>
+        <p:spPr>
+          <a:xfrm>
+            <a:off x="2293775" y="861572"/>
+            <a:ext cx="276038" cy="307777"/>
+          </a:xfrm>
+          <a:prstGeom prst="rect">
+            <a:avLst/>
+          </a:prstGeom>
+          <a:noFill/>
+        </p:spPr>
+        <p:txBody>
+          <a:bodyPr wrap="none" rtlCol="0">
+            <a:spAutoFit/>
+          </a:bodyPr>
+          <a:lstStyle/>
+          <a:p>
+            <a:r>
+              <a:rPr lang="en-US" sz="1400" u="sng" dirty="0"/>
+              <a:t>1</a:t>
+            </a:r>
+          </a:p>
+        </p:txBody>
+      </p:sp>
+      <p:sp>
+        <p:nvSpPr>
+          <p:cNvPr id="114" name="TextBox 113"/>
+          <p:cNvSpPr txBox="1"/>
+          <p:nvPr/>
+        </p:nvSpPr>
+        <p:spPr>
+          <a:xfrm>
+            <a:off x="2325302" y="1600235"/>
+            <a:ext cx="276038" cy="307777"/>
+          </a:xfrm>
+          <a:prstGeom prst="rect">
+            <a:avLst/>
+          </a:prstGeom>
+          <a:noFill/>
+        </p:spPr>
+        <p:txBody>
+          <a:bodyPr wrap="none" rtlCol="0">
+            <a:spAutoFit/>
+          </a:bodyPr>
+          <a:lstStyle/>
+          <a:p>
+            <a:r>
+              <a:rPr lang="en-US" sz="1400" u="sng" dirty="0"/>
+              <a:t>2</a:t>
+            </a:r>
+          </a:p>
+        </p:txBody>
+      </p:sp>
+      <p:sp>
+        <p:nvSpPr>
+          <p:cNvPr id="115" name="TextBox 114"/>
+          <p:cNvSpPr txBox="1"/>
+          <p:nvPr/>
+        </p:nvSpPr>
+        <p:spPr>
+          <a:xfrm>
+            <a:off x="5311005" y="989147"/>
+            <a:ext cx="412292" cy="307777"/>
+          </a:xfrm>
+          <a:prstGeom prst="rect">
+            <a:avLst/>
+          </a:prstGeom>
+          <a:noFill/>
+        </p:spPr>
+        <p:txBody>
+          <a:bodyPr wrap="none" rtlCol="0">
+            <a:spAutoFit/>
+          </a:bodyPr>
+          <a:lstStyle/>
+          <a:p>
+            <a:r>
+              <a:rPr lang="en-US" sz="1400" u="sng" dirty="0" smtClean="0"/>
+              <a:t>3.1</a:t>
+            </a:r>
+            <a:endParaRPr lang="en-US" sz="1400" u="sng" dirty="0"/>
+          </a:p>
+        </p:txBody>
+      </p:sp>
+      <p:sp>
+        <p:nvSpPr>
+          <p:cNvPr id="116" name="TextBox 115"/>
+          <p:cNvSpPr txBox="1"/>
+          <p:nvPr/>
+        </p:nvSpPr>
+        <p:spPr>
+          <a:xfrm>
+            <a:off x="5867400" y="2686677"/>
+            <a:ext cx="412292" cy="307777"/>
+          </a:xfrm>
+          <a:prstGeom prst="rect">
+            <a:avLst/>
+          </a:prstGeom>
+          <a:noFill/>
+        </p:spPr>
+        <p:txBody>
+          <a:bodyPr wrap="none" rtlCol="0">
+            <a:spAutoFit/>
+          </a:bodyPr>
+          <a:lstStyle/>
+          <a:p>
+            <a:r>
+              <a:rPr lang="en-US" sz="1400" u="sng" dirty="0" smtClean="0"/>
+              <a:t>3.3</a:t>
+            </a:r>
+            <a:endParaRPr lang="en-US" sz="1400" u="sng" dirty="0"/>
+          </a:p>
+        </p:txBody>
+      </p:sp>
+      <p:sp>
+        <p:nvSpPr>
+          <p:cNvPr id="117" name="TextBox 116"/>
+          <p:cNvSpPr txBox="1"/>
+          <p:nvPr/>
+        </p:nvSpPr>
+        <p:spPr>
+          <a:xfrm>
+            <a:off x="6582545" y="987623"/>
+            <a:ext cx="412292" cy="307777"/>
+          </a:xfrm>
+          <a:prstGeom prst="rect">
+            <a:avLst/>
+          </a:prstGeom>
+          <a:noFill/>
+        </p:spPr>
+        <p:txBody>
+          <a:bodyPr wrap="none" rtlCol="0">
+            <a:spAutoFit/>
+          </a:bodyPr>
+          <a:lstStyle/>
+          <a:p>
+            <a:r>
+              <a:rPr lang="en-US" sz="1400" u="sng" dirty="0" smtClean="0"/>
+              <a:t>3.2</a:t>
+            </a:r>
+            <a:endParaRPr lang="en-US" sz="1400" u="sng" dirty="0"/>
+          </a:p>
+        </p:txBody>
+      </p:sp>
+      <p:sp>
+        <p:nvSpPr>
+          <p:cNvPr id="118" name="TextBox 117"/>
+          <p:cNvSpPr txBox="1"/>
+          <p:nvPr/>
+        </p:nvSpPr>
+        <p:spPr>
+          <a:xfrm>
+            <a:off x="5912308" y="3839937"/>
+            <a:ext cx="412292" cy="307777"/>
+          </a:xfrm>
+          <a:prstGeom prst="rect">
+            <a:avLst/>
+          </a:prstGeom>
+          <a:noFill/>
+        </p:spPr>
+        <p:txBody>
+          <a:bodyPr wrap="none" rtlCol="0">
+            <a:spAutoFit/>
+          </a:bodyPr>
+          <a:lstStyle/>
+          <a:p>
+            <a:r>
+              <a:rPr lang="en-US" sz="1400" u="sng" dirty="0" smtClean="0"/>
+              <a:t>3.4</a:t>
+            </a:r>
+            <a:endParaRPr lang="en-US" sz="1400" u="sng" dirty="0"/>
+          </a:p>
+        </p:txBody>
+      </p:sp>
+      <p:sp>
+        <p:nvSpPr>
+          <p:cNvPr id="119" name="TextBox 118"/>
+          <p:cNvSpPr txBox="1"/>
+          <p:nvPr/>
+        </p:nvSpPr>
+        <p:spPr>
+          <a:xfrm>
+            <a:off x="5539546" y="4932787"/>
+            <a:ext cx="412292" cy="307777"/>
+          </a:xfrm>
+          <a:prstGeom prst="rect">
+            <a:avLst/>
+          </a:prstGeom>
+          <a:noFill/>
+        </p:spPr>
+        <p:txBody>
+          <a:bodyPr wrap="none" rtlCol="0">
+            <a:spAutoFit/>
+          </a:bodyPr>
+          <a:lstStyle/>
+          <a:p>
+            <a:r>
+              <a:rPr lang="en-US" sz="1400" u="sng" dirty="0" smtClean="0"/>
+              <a:t>3.5</a:t>
+            </a:r>
+            <a:endParaRPr lang="en-US" sz="1400" u="sng" dirty="0"/>
+          </a:p>
+        </p:txBody>
+      </p:sp>
+      <p:sp>
+        <p:nvSpPr>
+          <p:cNvPr id="120" name="TextBox 119"/>
+          <p:cNvSpPr txBox="1"/>
+          <p:nvPr/>
+        </p:nvSpPr>
+        <p:spPr>
+          <a:xfrm>
+            <a:off x="5500016" y="6069797"/>
+            <a:ext cx="412292" cy="307777"/>
+          </a:xfrm>
+          <a:prstGeom prst="rect">
+            <a:avLst/>
+          </a:prstGeom>
+          <a:noFill/>
+        </p:spPr>
+        <p:txBody>
+          <a:bodyPr wrap="none" rtlCol="0">
+            <a:spAutoFit/>
+          </a:bodyPr>
+          <a:lstStyle/>
+          <a:p>
+            <a:r>
+              <a:rPr lang="en-US" sz="1400" u="sng" dirty="0" smtClean="0"/>
+              <a:t>3.6</a:t>
+            </a:r>
+            <a:endParaRPr lang="en-US" sz="1400" u="sng" dirty="0"/>
+          </a:p>
+        </p:txBody>
+      </p:sp>
+      <p:sp>
+        <p:nvSpPr>
+          <p:cNvPr id="121" name="TextBox 120"/>
+          <p:cNvSpPr txBox="1"/>
+          <p:nvPr/>
+        </p:nvSpPr>
+        <p:spPr>
+          <a:xfrm>
+            <a:off x="8001000" y="1063823"/>
+            <a:ext cx="412292" cy="307777"/>
+          </a:xfrm>
+          <a:prstGeom prst="rect">
+            <a:avLst/>
+          </a:prstGeom>
+          <a:noFill/>
+        </p:spPr>
+        <p:txBody>
+          <a:bodyPr wrap="none" rtlCol="0">
+            <a:spAutoFit/>
+          </a:bodyPr>
+          <a:lstStyle/>
+          <a:p>
+            <a:r>
+              <a:rPr lang="en-US" sz="1400" u="sng" dirty="0" smtClean="0"/>
+              <a:t>3.7</a:t>
+            </a:r>
+            <a:endParaRPr lang="en-US" sz="1400" u="sng" dirty="0"/>
+          </a:p>
+        </p:txBody>
+      </p:sp>
+      <p:sp>
+        <p:nvSpPr>
+          <p:cNvPr id="122" name="TextBox 121"/>
+          <p:cNvSpPr txBox="1"/>
+          <p:nvPr/>
+        </p:nvSpPr>
+        <p:spPr>
+          <a:xfrm>
+            <a:off x="8641723" y="2283023"/>
+            <a:ext cx="412292" cy="307777"/>
+          </a:xfrm>
+          <a:prstGeom prst="rect">
+            <a:avLst/>
+          </a:prstGeom>
+          <a:noFill/>
+        </p:spPr>
+        <p:txBody>
+          <a:bodyPr wrap="none" rtlCol="0">
+            <a:spAutoFit/>
+          </a:bodyPr>
+          <a:lstStyle/>
+          <a:p>
+            <a:r>
+              <a:rPr lang="en-US" sz="1400" u="sng" dirty="0" smtClean="0"/>
+              <a:t>3.8</a:t>
+            </a:r>
+            <a:endParaRPr lang="en-US" sz="1400" u="sng" dirty="0"/>
+          </a:p>
+        </p:txBody>
+      </p:sp>
+      <p:sp>
+        <p:nvSpPr>
+          <p:cNvPr id="123" name="TextBox 122"/>
+          <p:cNvSpPr txBox="1"/>
+          <p:nvPr/>
+        </p:nvSpPr>
+        <p:spPr>
+          <a:xfrm>
+            <a:off x="8671051" y="3578423"/>
+            <a:ext cx="412292" cy="307777"/>
+          </a:xfrm>
+          <a:prstGeom prst="rect">
+            <a:avLst/>
+          </a:prstGeom>
+          <a:noFill/>
+        </p:spPr>
+        <p:txBody>
+          <a:bodyPr wrap="none" rtlCol="0">
+            <a:spAutoFit/>
+          </a:bodyPr>
+          <a:lstStyle/>
+          <a:p>
+            <a:r>
+              <a:rPr lang="en-US" sz="1400" u="sng" dirty="0" smtClean="0"/>
+              <a:t>3.9</a:t>
+            </a:r>
+            <a:endParaRPr lang="en-US" sz="1400" u="sng" dirty="0"/>
+          </a:p>
+        </p:txBody>
+      </p:sp>
+      <p:sp>
+        <p:nvSpPr>
+          <p:cNvPr id="124" name="TextBox 123"/>
+          <p:cNvSpPr txBox="1"/>
+          <p:nvPr/>
+        </p:nvSpPr>
+        <p:spPr>
+          <a:xfrm>
+            <a:off x="2343814" y="2532788"/>
+            <a:ext cx="412292" cy="307777"/>
+          </a:xfrm>
+          <a:prstGeom prst="rect">
+            <a:avLst/>
+          </a:prstGeom>
+          <a:noFill/>
+        </p:spPr>
+        <p:txBody>
+          <a:bodyPr wrap="none" rtlCol="0">
+            <a:spAutoFit/>
+          </a:bodyPr>
+          <a:lstStyle/>
+          <a:p>
+            <a:r>
+              <a:rPr lang="en-US" sz="1400" u="sng" dirty="0" smtClean="0"/>
+              <a:t>4.1</a:t>
+            </a:r>
+            <a:endParaRPr lang="en-US" sz="1400" u="sng" dirty="0"/>
+          </a:p>
+        </p:txBody>
+      </p:sp>
+      <p:sp>
+        <p:nvSpPr>
+          <p:cNvPr id="125" name="TextBox 124"/>
+          <p:cNvSpPr txBox="1"/>
+          <p:nvPr/>
+        </p:nvSpPr>
+        <p:spPr>
+          <a:xfrm>
+            <a:off x="2325302" y="3305034"/>
+            <a:ext cx="412292" cy="307777"/>
+          </a:xfrm>
+          <a:prstGeom prst="rect">
+            <a:avLst/>
+          </a:prstGeom>
+          <a:noFill/>
+        </p:spPr>
+        <p:txBody>
+          <a:bodyPr wrap="none" rtlCol="0">
+            <a:spAutoFit/>
+          </a:bodyPr>
+          <a:lstStyle/>
+          <a:p>
+            <a:r>
+              <a:rPr lang="en-US" sz="1400" u="sng" dirty="0" smtClean="0"/>
+              <a:t>4.2</a:t>
+            </a:r>
+            <a:endParaRPr lang="en-US" sz="1400" u="sng" dirty="0"/>
+          </a:p>
+        </p:txBody>
+      </p:sp>
+      <p:sp>
+        <p:nvSpPr>
+          <p:cNvPr id="126" name="TextBox 125"/>
+          <p:cNvSpPr txBox="1"/>
+          <p:nvPr/>
+        </p:nvSpPr>
+        <p:spPr>
+          <a:xfrm>
+            <a:off x="4404660" y="4139037"/>
+            <a:ext cx="412292" cy="307777"/>
+          </a:xfrm>
+          <a:prstGeom prst="rect">
+            <a:avLst/>
+          </a:prstGeom>
+          <a:noFill/>
+        </p:spPr>
+        <p:txBody>
+          <a:bodyPr wrap="none" rtlCol="0">
+            <a:spAutoFit/>
+          </a:bodyPr>
+          <a:lstStyle/>
+          <a:p>
+            <a:r>
+              <a:rPr lang="en-US" sz="1400" u="sng" dirty="0" smtClean="0"/>
+              <a:t>4.3</a:t>
+            </a:r>
+            <a:endParaRPr lang="en-US" sz="1400" u="sng" dirty="0"/>
+          </a:p>
+        </p:txBody>
+      </p:sp>
+      <p:sp>
+        <p:nvSpPr>
+          <p:cNvPr id="127" name="TextBox 126"/>
+          <p:cNvSpPr txBox="1"/>
+          <p:nvPr/>
+        </p:nvSpPr>
+        <p:spPr>
+          <a:xfrm>
+            <a:off x="409762" y="4133647"/>
+            <a:ext cx="276038" cy="307777"/>
+          </a:xfrm>
+          <a:prstGeom prst="rect">
+            <a:avLst/>
+          </a:prstGeom>
+          <a:noFill/>
+        </p:spPr>
+        <p:txBody>
+          <a:bodyPr wrap="none" rtlCol="0">
+            <a:spAutoFit/>
+          </a:bodyPr>
+          <a:lstStyle/>
+          <a:p>
+            <a:r>
+              <a:rPr lang="en-US" sz="1400" u="sng" dirty="0"/>
+              <a:t>5</a:t>
+            </a:r>
+          </a:p>
+        </p:txBody>
+      </p:sp>
+      <p:sp>
+        <p:nvSpPr>
+          <p:cNvPr id="128" name="TextBox 127"/>
+          <p:cNvSpPr txBox="1"/>
+          <p:nvPr/>
+        </p:nvSpPr>
+        <p:spPr>
+          <a:xfrm>
+            <a:off x="2601340" y="4937391"/>
+            <a:ext cx="276038" cy="307777"/>
+          </a:xfrm>
+          <a:prstGeom prst="rect">
+            <a:avLst/>
+          </a:prstGeom>
+          <a:noFill/>
+        </p:spPr>
+        <p:txBody>
+          <a:bodyPr wrap="none" rtlCol="0">
+            <a:spAutoFit/>
+          </a:bodyPr>
+          <a:lstStyle/>
+          <a:p>
+            <a:r>
+              <a:rPr lang="en-US" sz="1400" u="sng" dirty="0" smtClean="0"/>
+              <a:t>6</a:t>
+            </a:r>
+            <a:endParaRPr lang="en-US" sz="1400" u="sng" dirty="0"/>
+          </a:p>
+        </p:txBody>
+      </p:sp>
+      <p:sp>
+        <p:nvSpPr>
+          <p:cNvPr id="67" name="Rectangle 66"/>
+          <p:cNvSpPr/>
+          <p:nvPr/>
+        </p:nvSpPr>
+        <p:spPr>
+          <a:xfrm>
+            <a:off x="2737594" y="5902409"/>
+            <a:ext cx="1610497" cy="584886"/>
+          </a:xfrm>
+          <a:prstGeom prst="rect">
+            <a:avLst/>
+          </a:prstGeom>
+        </p:spPr>
+        <p:style>
+          <a:lnRef idx="2">
+            <a:schemeClr val="accent6">
+              <a:shade val="50000"/>
+            </a:schemeClr>
+          </a:lnRef>
+          <a:fillRef idx="1">
+            <a:schemeClr val="accent6"/>
+          </a:fillRef>
+          <a:effectRef idx="0">
+            <a:schemeClr val="accent6"/>
+          </a:effectRef>
+          <a:fontRef idx="minor">
+            <a:schemeClr val="lt1"/>
+          </a:fontRef>
+        </p:style>
+        <p:txBody>
+          <a:bodyPr rtlCol="0" anchor="ctr"/>
+          <a:lstStyle/>
+          <a:p>
+            <a:pPr algn="ctr"/>
+            <a:r>
+              <a:rPr lang="en-US" sz="1050" dirty="0" smtClean="0"/>
+              <a:t>Emit </a:t>
+            </a:r>
+            <a:r>
+              <a:rPr lang="en-US" sz="1050" dirty="0" smtClean="0"/>
+              <a:t>Do Smart Validation event </a:t>
+            </a:r>
+            <a:r>
+              <a:rPr lang="en-US" sz="1050" dirty="0" smtClean="0"/>
+              <a:t>to Smart Component</a:t>
+            </a:r>
+            <a:endParaRPr lang="en-US" sz="1050" dirty="0"/>
+          </a:p>
+        </p:txBody>
+      </p:sp>
       <p:cxnSp>
         <p:nvCxnSpPr>
-          <p:cNvPr id="90" name="Straight Arrow Connector 89"/>
+          <p:cNvPr id="68" name="Straight Arrow Connector 67"/>
           <p:cNvCxnSpPr>
-            <a:stCxn id="19" idx="3"/>
-            <a:endCxn id="7" idx="1"/>
+            <a:stCxn id="19" idx="2"/>
+            <a:endCxn id="67" idx="0"/>
           </p:cNvCxnSpPr>
           <p:nvPr/>
         </p:nvCxnSpPr>
         <p:spPr>
-          <a:xfrm flipV="1">
-            <a:off x="4419600" y="3048000"/>
-            <a:ext cx="1909119" cy="2284476"/>
-          </a:xfrm>
-          <a:prstGeom prst="bentConnector3">
-            <a:avLst>
-              <a:gd name="adj1" fmla="val 50000"/>
-            </a:avLst>
+          <a:xfrm flipH="1">
+            <a:off x="3542843" y="5638800"/>
+            <a:ext cx="457" cy="263609"/>
+          </a:xfrm>
+          <a:prstGeom prst="straightConnector1">
+            <a:avLst/>
           </a:prstGeom>
           <a:ln w="31750">
             <a:solidFill>
@@ -8434,14 +9288,14 @@
       </p:cxnSp>
       <p:sp>
         <p:nvSpPr>
-          <p:cNvPr id="95" name="TextBox 94"/>
+          <p:cNvPr id="71" name="TextBox 70"/>
           <p:cNvSpPr txBox="1"/>
           <p:nvPr/>
         </p:nvSpPr>
         <p:spPr>
           <a:xfrm>
-            <a:off x="365999" y="6549633"/>
-            <a:ext cx="1527919" cy="307777"/>
+            <a:off x="2349805" y="5997594"/>
+            <a:ext cx="412292" cy="307777"/>
           </a:xfrm>
           <a:prstGeom prst="rect">
             <a:avLst/>
@@ -8455,782 +9309,8 @@
           <a:lstStyle/>
           <a:p>
             <a:r>
-              <a:rPr lang="en-US" sz="1400" dirty="0" smtClean="0"/>
-              <a:t>Dumb Component</a:t>
-            </a:r>
-            <a:endParaRPr lang="en-US" sz="1400" dirty="0"/>
-          </a:p>
-        </p:txBody>
-      </p:sp>
-      <p:sp>
-        <p:nvSpPr>
-          <p:cNvPr id="96" name="TextBox 95"/>
-          <p:cNvSpPr txBox="1"/>
-          <p:nvPr/>
-        </p:nvSpPr>
-        <p:spPr>
-          <a:xfrm>
-            <a:off x="408198" y="6234579"/>
-            <a:ext cx="1519903" cy="307777"/>
-          </a:xfrm>
-          <a:prstGeom prst="rect">
-            <a:avLst/>
-          </a:prstGeom>
-          <a:noFill/>
-        </p:spPr>
-        <p:txBody>
-          <a:bodyPr wrap="none" rtlCol="0">
-            <a:spAutoFit/>
-          </a:bodyPr>
-          <a:lstStyle/>
-          <a:p>
-            <a:r>
-              <a:rPr lang="en-US" sz="1400" dirty="0" smtClean="0"/>
-              <a:t>Smart Component</a:t>
-            </a:r>
-            <a:endParaRPr lang="en-US" sz="1400" dirty="0"/>
-          </a:p>
-        </p:txBody>
-      </p:sp>
-      <p:sp>
-        <p:nvSpPr>
-          <p:cNvPr id="97" name="TextBox 96"/>
-          <p:cNvSpPr txBox="1"/>
-          <p:nvPr/>
-        </p:nvSpPr>
-        <p:spPr>
-          <a:xfrm>
-            <a:off x="408198" y="5962198"/>
-            <a:ext cx="1609736" cy="307777"/>
-          </a:xfrm>
-          <a:prstGeom prst="rect">
-            <a:avLst/>
-          </a:prstGeom>
-          <a:noFill/>
-        </p:spPr>
-        <p:txBody>
-          <a:bodyPr wrap="none" rtlCol="0">
-            <a:spAutoFit/>
-          </a:bodyPr>
-          <a:lstStyle/>
-          <a:p>
-            <a:r>
-              <a:rPr lang="en-US" sz="1400" dirty="0" smtClean="0"/>
-              <a:t>Component Service</a:t>
-            </a:r>
-            <a:endParaRPr lang="en-US" sz="1400" dirty="0"/>
-          </a:p>
-        </p:txBody>
-      </p:sp>
-      <p:sp>
-        <p:nvSpPr>
-          <p:cNvPr id="98" name="TextBox 97"/>
-          <p:cNvSpPr txBox="1"/>
-          <p:nvPr/>
-        </p:nvSpPr>
-        <p:spPr>
-          <a:xfrm>
-            <a:off x="408198" y="5689817"/>
-            <a:ext cx="1320361" cy="307777"/>
-          </a:xfrm>
-          <a:prstGeom prst="rect">
-            <a:avLst/>
-          </a:prstGeom>
-          <a:noFill/>
-        </p:spPr>
-        <p:txBody>
-          <a:bodyPr wrap="none" rtlCol="0">
-            <a:spAutoFit/>
-          </a:bodyPr>
-          <a:lstStyle/>
-          <a:p>
-            <a:r>
-              <a:rPr lang="en-US" sz="1400" dirty="0" smtClean="0"/>
-              <a:t>Reducer / Store</a:t>
-            </a:r>
-            <a:endParaRPr lang="en-US" sz="1400" dirty="0"/>
-          </a:p>
-        </p:txBody>
-      </p:sp>
-      <p:sp>
-        <p:nvSpPr>
-          <p:cNvPr id="99" name="TextBox 98"/>
-          <p:cNvSpPr txBox="1"/>
-          <p:nvPr/>
-        </p:nvSpPr>
-        <p:spPr>
-          <a:xfrm>
-            <a:off x="7238288" y="1373124"/>
-            <a:ext cx="282450" cy="307777"/>
-          </a:xfrm>
-          <a:prstGeom prst="rect">
-            <a:avLst/>
-          </a:prstGeom>
-          <a:noFill/>
-        </p:spPr>
-        <p:txBody>
-          <a:bodyPr wrap="none" rtlCol="0">
-            <a:spAutoFit/>
-          </a:bodyPr>
-          <a:lstStyle/>
-          <a:p>
-            <a:r>
-              <a:rPr lang="en-US" sz="1400" dirty="0" smtClean="0"/>
-              <a:t>B</a:t>
-            </a:r>
-            <a:endParaRPr lang="en-US" sz="1400" dirty="0"/>
-          </a:p>
-        </p:txBody>
-      </p:sp>
-      <p:sp>
-        <p:nvSpPr>
-          <p:cNvPr id="100" name="TextBox 99"/>
-          <p:cNvSpPr txBox="1"/>
-          <p:nvPr/>
-        </p:nvSpPr>
-        <p:spPr>
-          <a:xfrm>
-            <a:off x="6499829" y="2235008"/>
-            <a:ext cx="288862" cy="307777"/>
-          </a:xfrm>
-          <a:prstGeom prst="rect">
-            <a:avLst/>
-          </a:prstGeom>
-          <a:noFill/>
-        </p:spPr>
-        <p:txBody>
-          <a:bodyPr wrap="none" rtlCol="0">
-            <a:spAutoFit/>
-          </a:bodyPr>
-          <a:lstStyle/>
-          <a:p>
-            <a:r>
-              <a:rPr lang="en-US" sz="1400" dirty="0"/>
-              <a:t>A</a:t>
-            </a:r>
-          </a:p>
-        </p:txBody>
-      </p:sp>
-      <p:sp>
-        <p:nvSpPr>
-          <p:cNvPr id="101" name="TextBox 100"/>
-          <p:cNvSpPr txBox="1"/>
-          <p:nvPr/>
-        </p:nvSpPr>
-        <p:spPr>
-          <a:xfrm>
-            <a:off x="4518483" y="1446347"/>
-            <a:ext cx="272832" cy="307777"/>
-          </a:xfrm>
-          <a:prstGeom prst="rect">
-            <a:avLst/>
-          </a:prstGeom>
-          <a:noFill/>
-        </p:spPr>
-        <p:txBody>
-          <a:bodyPr wrap="none" rtlCol="0">
-            <a:spAutoFit/>
-          </a:bodyPr>
-          <a:lstStyle/>
-          <a:p>
-            <a:r>
-              <a:rPr lang="en-US" sz="1400" dirty="0" smtClean="0"/>
-              <a:t>Y</a:t>
-            </a:r>
-            <a:endParaRPr lang="en-US" sz="1400" dirty="0"/>
-          </a:p>
-        </p:txBody>
-      </p:sp>
-      <p:sp>
-        <p:nvSpPr>
-          <p:cNvPr id="102" name="TextBox 101"/>
-          <p:cNvSpPr txBox="1"/>
-          <p:nvPr/>
-        </p:nvSpPr>
-        <p:spPr>
-          <a:xfrm>
-            <a:off x="3657600" y="2017768"/>
-            <a:ext cx="300082" cy="307777"/>
-          </a:xfrm>
-          <a:prstGeom prst="rect">
-            <a:avLst/>
-          </a:prstGeom>
-          <a:noFill/>
-        </p:spPr>
-        <p:txBody>
-          <a:bodyPr wrap="none" rtlCol="0">
-            <a:spAutoFit/>
-          </a:bodyPr>
-          <a:lstStyle/>
-          <a:p>
-            <a:r>
-              <a:rPr lang="en-US" sz="1400" dirty="0"/>
-              <a:t>N</a:t>
-            </a:r>
-          </a:p>
-        </p:txBody>
-      </p:sp>
-      <p:sp>
-        <p:nvSpPr>
-          <p:cNvPr id="103" name="TextBox 102"/>
-          <p:cNvSpPr txBox="1"/>
-          <p:nvPr/>
-        </p:nvSpPr>
-        <p:spPr>
-          <a:xfrm>
-            <a:off x="2325302" y="3999011"/>
-            <a:ext cx="272832" cy="307777"/>
-          </a:xfrm>
-          <a:prstGeom prst="rect">
-            <a:avLst/>
-          </a:prstGeom>
-          <a:noFill/>
-        </p:spPr>
-        <p:txBody>
-          <a:bodyPr wrap="none" rtlCol="0">
-            <a:spAutoFit/>
-          </a:bodyPr>
-          <a:lstStyle/>
-          <a:p>
-            <a:r>
-              <a:rPr lang="en-US" sz="1400" dirty="0" smtClean="0"/>
-              <a:t>Y</a:t>
-            </a:r>
-            <a:endParaRPr lang="en-US" sz="1400" dirty="0"/>
-          </a:p>
-        </p:txBody>
-      </p:sp>
-      <p:sp>
-        <p:nvSpPr>
-          <p:cNvPr id="104" name="TextBox 103"/>
-          <p:cNvSpPr txBox="1"/>
-          <p:nvPr/>
-        </p:nvSpPr>
-        <p:spPr>
-          <a:xfrm>
-            <a:off x="3561871" y="4625010"/>
-            <a:ext cx="300082" cy="307777"/>
-          </a:xfrm>
-          <a:prstGeom prst="rect">
-            <a:avLst/>
-          </a:prstGeom>
-          <a:noFill/>
-        </p:spPr>
-        <p:txBody>
-          <a:bodyPr wrap="none" rtlCol="0">
-            <a:spAutoFit/>
-          </a:bodyPr>
-          <a:lstStyle/>
-          <a:p>
-            <a:r>
-              <a:rPr lang="en-US" sz="1400" dirty="0"/>
-              <a:t>N</a:t>
-            </a:r>
-          </a:p>
-        </p:txBody>
-      </p:sp>
-      <p:sp>
-        <p:nvSpPr>
-          <p:cNvPr id="105" name="TextBox 104"/>
-          <p:cNvSpPr txBox="1"/>
-          <p:nvPr/>
-        </p:nvSpPr>
-        <p:spPr>
-          <a:xfrm>
-            <a:off x="4435584" y="5052426"/>
-            <a:ext cx="272832" cy="307777"/>
-          </a:xfrm>
-          <a:prstGeom prst="rect">
-            <a:avLst/>
-          </a:prstGeom>
-          <a:noFill/>
-        </p:spPr>
-        <p:txBody>
-          <a:bodyPr wrap="none" rtlCol="0">
-            <a:spAutoFit/>
-          </a:bodyPr>
-          <a:lstStyle/>
-          <a:p>
-            <a:r>
-              <a:rPr lang="en-US" sz="1400" dirty="0" smtClean="0"/>
-              <a:t>Y</a:t>
-            </a:r>
-            <a:endParaRPr lang="en-US" sz="1400" dirty="0"/>
-          </a:p>
-        </p:txBody>
-      </p:sp>
-      <p:sp>
-        <p:nvSpPr>
-          <p:cNvPr id="113" name="TextBox 112"/>
-          <p:cNvSpPr txBox="1"/>
-          <p:nvPr/>
-        </p:nvSpPr>
-        <p:spPr>
-          <a:xfrm>
-            <a:off x="2293775" y="861572"/>
-            <a:ext cx="276038" cy="307777"/>
-          </a:xfrm>
-          <a:prstGeom prst="rect">
-            <a:avLst/>
-          </a:prstGeom>
-          <a:noFill/>
-        </p:spPr>
-        <p:txBody>
-          <a:bodyPr wrap="none" rtlCol="0">
-            <a:spAutoFit/>
-          </a:bodyPr>
-          <a:lstStyle/>
-          <a:p>
-            <a:r>
-              <a:rPr lang="en-US" sz="1400" u="sng" dirty="0"/>
-              <a:t>1</a:t>
-            </a:r>
-          </a:p>
-        </p:txBody>
-      </p:sp>
-      <p:sp>
-        <p:nvSpPr>
-          <p:cNvPr id="114" name="TextBox 113"/>
-          <p:cNvSpPr txBox="1"/>
-          <p:nvPr/>
-        </p:nvSpPr>
-        <p:spPr>
-          <a:xfrm>
-            <a:off x="2325302" y="1600235"/>
-            <a:ext cx="276038" cy="307777"/>
-          </a:xfrm>
-          <a:prstGeom prst="rect">
-            <a:avLst/>
-          </a:prstGeom>
-          <a:noFill/>
-        </p:spPr>
-        <p:txBody>
-          <a:bodyPr wrap="none" rtlCol="0">
-            <a:spAutoFit/>
-          </a:bodyPr>
-          <a:lstStyle/>
-          <a:p>
-            <a:r>
-              <a:rPr lang="en-US" sz="1400" u="sng" dirty="0"/>
-              <a:t>2</a:t>
-            </a:r>
-          </a:p>
-        </p:txBody>
-      </p:sp>
-      <p:sp>
-        <p:nvSpPr>
-          <p:cNvPr id="115" name="TextBox 114"/>
-          <p:cNvSpPr txBox="1"/>
-          <p:nvPr/>
-        </p:nvSpPr>
-        <p:spPr>
-          <a:xfrm>
-            <a:off x="5311005" y="989147"/>
-            <a:ext cx="412292" cy="307777"/>
-          </a:xfrm>
-          <a:prstGeom prst="rect">
-            <a:avLst/>
-          </a:prstGeom>
-          <a:noFill/>
-        </p:spPr>
-        <p:txBody>
-          <a:bodyPr wrap="none" rtlCol="0">
-            <a:spAutoFit/>
-          </a:bodyPr>
-          <a:lstStyle/>
-          <a:p>
-            <a:r>
               <a:rPr lang="en-US" sz="1400" u="sng" dirty="0" smtClean="0"/>
-              <a:t>3.1</a:t>
-            </a:r>
-            <a:endParaRPr lang="en-US" sz="1400" u="sng" dirty="0"/>
-          </a:p>
-        </p:txBody>
-      </p:sp>
-      <p:sp>
-        <p:nvSpPr>
-          <p:cNvPr id="116" name="TextBox 115"/>
-          <p:cNvSpPr txBox="1"/>
-          <p:nvPr/>
-        </p:nvSpPr>
-        <p:spPr>
-          <a:xfrm>
-            <a:off x="5867400" y="2686677"/>
-            <a:ext cx="412292" cy="307777"/>
-          </a:xfrm>
-          <a:prstGeom prst="rect">
-            <a:avLst/>
-          </a:prstGeom>
-          <a:noFill/>
-        </p:spPr>
-        <p:txBody>
-          <a:bodyPr wrap="none" rtlCol="0">
-            <a:spAutoFit/>
-          </a:bodyPr>
-          <a:lstStyle/>
-          <a:p>
-            <a:r>
-              <a:rPr lang="en-US" sz="1400" u="sng" dirty="0" smtClean="0"/>
-              <a:t>3.3</a:t>
-            </a:r>
-            <a:endParaRPr lang="en-US" sz="1400" u="sng" dirty="0"/>
-          </a:p>
-        </p:txBody>
-      </p:sp>
-      <p:sp>
-        <p:nvSpPr>
-          <p:cNvPr id="117" name="TextBox 116"/>
-          <p:cNvSpPr txBox="1"/>
-          <p:nvPr/>
-        </p:nvSpPr>
-        <p:spPr>
-          <a:xfrm>
-            <a:off x="6582545" y="987623"/>
-            <a:ext cx="412292" cy="307777"/>
-          </a:xfrm>
-          <a:prstGeom prst="rect">
-            <a:avLst/>
-          </a:prstGeom>
-          <a:noFill/>
-        </p:spPr>
-        <p:txBody>
-          <a:bodyPr wrap="none" rtlCol="0">
-            <a:spAutoFit/>
-          </a:bodyPr>
-          <a:lstStyle/>
-          <a:p>
-            <a:r>
-              <a:rPr lang="en-US" sz="1400" u="sng" dirty="0" smtClean="0"/>
-              <a:t>3.2</a:t>
-            </a:r>
-            <a:endParaRPr lang="en-US" sz="1400" u="sng" dirty="0"/>
-          </a:p>
-        </p:txBody>
-      </p:sp>
-      <p:sp>
-        <p:nvSpPr>
-          <p:cNvPr id="118" name="TextBox 117"/>
-          <p:cNvSpPr txBox="1"/>
-          <p:nvPr/>
-        </p:nvSpPr>
-        <p:spPr>
-          <a:xfrm>
-            <a:off x="5912308" y="3839937"/>
-            <a:ext cx="412292" cy="307777"/>
-          </a:xfrm>
-          <a:prstGeom prst="rect">
-            <a:avLst/>
-          </a:prstGeom>
-          <a:noFill/>
-        </p:spPr>
-        <p:txBody>
-          <a:bodyPr wrap="none" rtlCol="0">
-            <a:spAutoFit/>
-          </a:bodyPr>
-          <a:lstStyle/>
-          <a:p>
-            <a:r>
-              <a:rPr lang="en-US" sz="1400" u="sng" dirty="0" smtClean="0"/>
-              <a:t>3.4</a:t>
-            </a:r>
-            <a:endParaRPr lang="en-US" sz="1400" u="sng" dirty="0"/>
-          </a:p>
-        </p:txBody>
-      </p:sp>
-      <p:sp>
-        <p:nvSpPr>
-          <p:cNvPr id="119" name="TextBox 118"/>
-          <p:cNvSpPr txBox="1"/>
-          <p:nvPr/>
-        </p:nvSpPr>
-        <p:spPr>
-          <a:xfrm>
-            <a:off x="5539546" y="4932787"/>
-            <a:ext cx="412292" cy="307777"/>
-          </a:xfrm>
-          <a:prstGeom prst="rect">
-            <a:avLst/>
-          </a:prstGeom>
-          <a:noFill/>
-        </p:spPr>
-        <p:txBody>
-          <a:bodyPr wrap="none" rtlCol="0">
-            <a:spAutoFit/>
-          </a:bodyPr>
-          <a:lstStyle/>
-          <a:p>
-            <a:r>
-              <a:rPr lang="en-US" sz="1400" u="sng" dirty="0" smtClean="0"/>
-              <a:t>3.5</a:t>
-            </a:r>
-            <a:endParaRPr lang="en-US" sz="1400" u="sng" dirty="0"/>
-          </a:p>
-        </p:txBody>
-      </p:sp>
-      <p:sp>
-        <p:nvSpPr>
-          <p:cNvPr id="120" name="TextBox 119"/>
-          <p:cNvSpPr txBox="1"/>
-          <p:nvPr/>
-        </p:nvSpPr>
-        <p:spPr>
-          <a:xfrm>
-            <a:off x="5500016" y="6069797"/>
-            <a:ext cx="412292" cy="307777"/>
-          </a:xfrm>
-          <a:prstGeom prst="rect">
-            <a:avLst/>
-          </a:prstGeom>
-          <a:noFill/>
-        </p:spPr>
-        <p:txBody>
-          <a:bodyPr wrap="none" rtlCol="0">
-            <a:spAutoFit/>
-          </a:bodyPr>
-          <a:lstStyle/>
-          <a:p>
-            <a:r>
-              <a:rPr lang="en-US" sz="1400" u="sng" dirty="0" smtClean="0"/>
-              <a:t>3.6</a:t>
-            </a:r>
-            <a:endParaRPr lang="en-US" sz="1400" u="sng" dirty="0"/>
-          </a:p>
-        </p:txBody>
-      </p:sp>
-      <p:sp>
-        <p:nvSpPr>
-          <p:cNvPr id="121" name="TextBox 120"/>
-          <p:cNvSpPr txBox="1"/>
-          <p:nvPr/>
-        </p:nvSpPr>
-        <p:spPr>
-          <a:xfrm>
-            <a:off x="8001000" y="1063823"/>
-            <a:ext cx="412292" cy="307777"/>
-          </a:xfrm>
-          <a:prstGeom prst="rect">
-            <a:avLst/>
-          </a:prstGeom>
-          <a:noFill/>
-        </p:spPr>
-        <p:txBody>
-          <a:bodyPr wrap="none" rtlCol="0">
-            <a:spAutoFit/>
-          </a:bodyPr>
-          <a:lstStyle/>
-          <a:p>
-            <a:r>
-              <a:rPr lang="en-US" sz="1400" u="sng" dirty="0" smtClean="0"/>
-              <a:t>3.7</a:t>
-            </a:r>
-            <a:endParaRPr lang="en-US" sz="1400" u="sng" dirty="0"/>
-          </a:p>
-        </p:txBody>
-      </p:sp>
-      <p:sp>
-        <p:nvSpPr>
-          <p:cNvPr id="122" name="TextBox 121"/>
-          <p:cNvSpPr txBox="1"/>
-          <p:nvPr/>
-        </p:nvSpPr>
-        <p:spPr>
-          <a:xfrm>
-            <a:off x="8641723" y="2283023"/>
-            <a:ext cx="412292" cy="307777"/>
-          </a:xfrm>
-          <a:prstGeom prst="rect">
-            <a:avLst/>
-          </a:prstGeom>
-          <a:noFill/>
-        </p:spPr>
-        <p:txBody>
-          <a:bodyPr wrap="none" rtlCol="0">
-            <a:spAutoFit/>
-          </a:bodyPr>
-          <a:lstStyle/>
-          <a:p>
-            <a:r>
-              <a:rPr lang="en-US" sz="1400" u="sng" dirty="0" smtClean="0"/>
-              <a:t>3.8</a:t>
-            </a:r>
-            <a:endParaRPr lang="en-US" sz="1400" u="sng" dirty="0"/>
-          </a:p>
-        </p:txBody>
-      </p:sp>
-      <p:sp>
-        <p:nvSpPr>
-          <p:cNvPr id="123" name="TextBox 122"/>
-          <p:cNvSpPr txBox="1"/>
-          <p:nvPr/>
-        </p:nvSpPr>
-        <p:spPr>
-          <a:xfrm>
-            <a:off x="8671051" y="3578423"/>
-            <a:ext cx="412292" cy="307777"/>
-          </a:xfrm>
-          <a:prstGeom prst="rect">
-            <a:avLst/>
-          </a:prstGeom>
-          <a:noFill/>
-        </p:spPr>
-        <p:txBody>
-          <a:bodyPr wrap="none" rtlCol="0">
-            <a:spAutoFit/>
-          </a:bodyPr>
-          <a:lstStyle/>
-          <a:p>
-            <a:r>
-              <a:rPr lang="en-US" sz="1400" u="sng" dirty="0" smtClean="0"/>
-              <a:t>3.9</a:t>
-            </a:r>
-            <a:endParaRPr lang="en-US" sz="1400" u="sng" dirty="0"/>
-          </a:p>
-        </p:txBody>
-      </p:sp>
-      <p:sp>
-        <p:nvSpPr>
-          <p:cNvPr id="124" name="TextBox 123"/>
-          <p:cNvSpPr txBox="1"/>
-          <p:nvPr/>
-        </p:nvSpPr>
-        <p:spPr>
-          <a:xfrm>
-            <a:off x="2343814" y="2532788"/>
-            <a:ext cx="412292" cy="307777"/>
-          </a:xfrm>
-          <a:prstGeom prst="rect">
-            <a:avLst/>
-          </a:prstGeom>
-          <a:noFill/>
-        </p:spPr>
-        <p:txBody>
-          <a:bodyPr wrap="none" rtlCol="0">
-            <a:spAutoFit/>
-          </a:bodyPr>
-          <a:lstStyle/>
-          <a:p>
-            <a:r>
-              <a:rPr lang="en-US" sz="1400" u="sng" dirty="0" smtClean="0"/>
-              <a:t>4.1</a:t>
-            </a:r>
-            <a:endParaRPr lang="en-US" sz="1400" u="sng" dirty="0"/>
-          </a:p>
-        </p:txBody>
-      </p:sp>
-      <p:sp>
-        <p:nvSpPr>
-          <p:cNvPr id="125" name="TextBox 124"/>
-          <p:cNvSpPr txBox="1"/>
-          <p:nvPr/>
-        </p:nvSpPr>
-        <p:spPr>
-          <a:xfrm>
-            <a:off x="2325302" y="3305034"/>
-            <a:ext cx="412292" cy="307777"/>
-          </a:xfrm>
-          <a:prstGeom prst="rect">
-            <a:avLst/>
-          </a:prstGeom>
-          <a:noFill/>
-        </p:spPr>
-        <p:txBody>
-          <a:bodyPr wrap="none" rtlCol="0">
-            <a:spAutoFit/>
-          </a:bodyPr>
-          <a:lstStyle/>
-          <a:p>
-            <a:r>
-              <a:rPr lang="en-US" sz="1400" u="sng" dirty="0" smtClean="0"/>
-              <a:t>4.2</a:t>
-            </a:r>
-            <a:endParaRPr lang="en-US" sz="1400" u="sng" dirty="0"/>
-          </a:p>
-        </p:txBody>
-      </p:sp>
-      <p:sp>
-        <p:nvSpPr>
-          <p:cNvPr id="126" name="TextBox 125"/>
-          <p:cNvSpPr txBox="1"/>
-          <p:nvPr/>
-        </p:nvSpPr>
-        <p:spPr>
-          <a:xfrm>
-            <a:off x="4404660" y="4139037"/>
-            <a:ext cx="412292" cy="307777"/>
-          </a:xfrm>
-          <a:prstGeom prst="rect">
-            <a:avLst/>
-          </a:prstGeom>
-          <a:noFill/>
-        </p:spPr>
-        <p:txBody>
-          <a:bodyPr wrap="none" rtlCol="0">
-            <a:spAutoFit/>
-          </a:bodyPr>
-          <a:lstStyle/>
-          <a:p>
-            <a:r>
-              <a:rPr lang="en-US" sz="1400" u="sng" dirty="0" smtClean="0"/>
-              <a:t>4.3</a:t>
-            </a:r>
-            <a:endParaRPr lang="en-US" sz="1400" u="sng" dirty="0"/>
-          </a:p>
-        </p:txBody>
-      </p:sp>
-      <p:sp>
-        <p:nvSpPr>
-          <p:cNvPr id="127" name="TextBox 126"/>
-          <p:cNvSpPr txBox="1"/>
-          <p:nvPr/>
-        </p:nvSpPr>
-        <p:spPr>
-          <a:xfrm>
-            <a:off x="409762" y="4133647"/>
-            <a:ext cx="276038" cy="307777"/>
-          </a:xfrm>
-          <a:prstGeom prst="rect">
-            <a:avLst/>
-          </a:prstGeom>
-          <a:noFill/>
-        </p:spPr>
-        <p:txBody>
-          <a:bodyPr wrap="none" rtlCol="0">
-            <a:spAutoFit/>
-          </a:bodyPr>
-          <a:lstStyle/>
-          <a:p>
-            <a:r>
-              <a:rPr lang="en-US" sz="1400" u="sng" dirty="0"/>
-              <a:t>5</a:t>
-            </a:r>
-          </a:p>
-        </p:txBody>
-      </p:sp>
-      <p:sp>
-        <p:nvSpPr>
-          <p:cNvPr id="128" name="TextBox 127"/>
-          <p:cNvSpPr txBox="1"/>
-          <p:nvPr/>
-        </p:nvSpPr>
-        <p:spPr>
-          <a:xfrm>
-            <a:off x="2601340" y="4937391"/>
-            <a:ext cx="276038" cy="307777"/>
-          </a:xfrm>
-          <a:prstGeom prst="rect">
-            <a:avLst/>
-          </a:prstGeom>
-          <a:noFill/>
-        </p:spPr>
-        <p:txBody>
-          <a:bodyPr wrap="none" rtlCol="0">
-            <a:spAutoFit/>
-          </a:bodyPr>
-          <a:lstStyle/>
-          <a:p>
-            <a:r>
-              <a:rPr lang="en-US" sz="1400" u="sng" dirty="0" smtClean="0"/>
-              <a:t>6</a:t>
+              <a:t>6.1</a:t>
             </a:r>
             <a:endParaRPr lang="en-US" sz="1400" u="sng" dirty="0"/>
           </a:p>

--- a/resources/images/programming/Angular2ArchDrawings.pptx
+++ b/resources/images/programming/Angular2ArchDrawings.pptx
@@ -10,6 +10,7 @@
     <p:sldId id="260" r:id="rId4"/>
     <p:sldId id="259" r:id="rId5"/>
     <p:sldId id="258" r:id="rId6"/>
+    <p:sldId id="261" r:id="rId7"/>
   </p:sldIdLst>
   <p:sldSz cx="9144000" cy="6858000" type="screen4x3"/>
   <p:notesSz cx="6858000" cy="9144000"/>
@@ -9320,6 +9321,1007 @@
     <p:extLst>
       <p:ext uri="{BB962C8B-B14F-4D97-AF65-F5344CB8AC3E}">
         <p14:creationId xmlns:p14="http://schemas.microsoft.com/office/powerpoint/2010/main" val="2759389617"/>
+      </p:ext>
+    </p:extLst>
+  </p:cSld>
+  <p:clrMapOvr>
+    <a:masterClrMapping/>
+  </p:clrMapOvr>
+</p:sld>
+</file>
+
+<file path=ppt/slides/slide6.xml><?xml version="1.0" encoding="utf-8"?>
+<p:sld xmlns:a="http://schemas.openxmlformats.org/drawingml/2006/main" xmlns:r="http://schemas.openxmlformats.org/officeDocument/2006/relationships" xmlns:p="http://schemas.openxmlformats.org/presentationml/2006/main">
+  <p:cSld>
+    <p:spTree>
+      <p:nvGrpSpPr>
+        <p:cNvPr id="1" name=""/>
+        <p:cNvGrpSpPr/>
+        <p:nvPr/>
+      </p:nvGrpSpPr>
+      <p:grpSpPr>
+        <a:xfrm>
+          <a:off x="0" y="0"/>
+          <a:ext cx="0" cy="0"/>
+          <a:chOff x="0" y="0"/>
+          <a:chExt cx="0" cy="0"/>
+        </a:xfrm>
+      </p:grpSpPr>
+      <p:sp>
+        <p:nvSpPr>
+          <p:cNvPr id="4" name="Rectangle 3"/>
+          <p:cNvSpPr/>
+          <p:nvPr/>
+        </p:nvSpPr>
+        <p:spPr>
+          <a:xfrm>
+            <a:off x="7476146" y="2740005"/>
+            <a:ext cx="1421184" cy="1131379"/>
+          </a:xfrm>
+          <a:prstGeom prst="rect">
+            <a:avLst/>
+          </a:prstGeom>
+        </p:spPr>
+        <p:style>
+          <a:lnRef idx="2">
+            <a:schemeClr val="accent6">
+              <a:shade val="50000"/>
+            </a:schemeClr>
+          </a:lnRef>
+          <a:fillRef idx="1">
+            <a:schemeClr val="accent6"/>
+          </a:fillRef>
+          <a:effectRef idx="0">
+            <a:schemeClr val="accent6"/>
+          </a:effectRef>
+          <a:fontRef idx="minor">
+            <a:schemeClr val="lt1"/>
+          </a:fontRef>
+        </p:style>
+        <p:txBody>
+          <a:bodyPr rtlCol="0" anchor="ctr"/>
+          <a:lstStyle/>
+          <a:p>
+            <a:pPr algn="ctr"/>
+            <a:r>
+              <a:rPr lang="en-US" dirty="0" smtClean="0"/>
+              <a:t>Dumb Component</a:t>
+            </a:r>
+            <a:endParaRPr lang="en-US" dirty="0"/>
+          </a:p>
+        </p:txBody>
+      </p:sp>
+      <p:sp>
+        <p:nvSpPr>
+          <p:cNvPr id="5" name="Rectangle 4"/>
+          <p:cNvSpPr/>
+          <p:nvPr/>
+        </p:nvSpPr>
+        <p:spPr>
+          <a:xfrm>
+            <a:off x="3589947" y="2831068"/>
+            <a:ext cx="2448898" cy="2640516"/>
+          </a:xfrm>
+          <a:prstGeom prst="rect">
+            <a:avLst/>
+          </a:prstGeom>
+        </p:spPr>
+        <p:style>
+          <a:lnRef idx="3">
+            <a:schemeClr val="lt1"/>
+          </a:lnRef>
+          <a:fillRef idx="1">
+            <a:schemeClr val="accent3"/>
+          </a:fillRef>
+          <a:effectRef idx="1">
+            <a:schemeClr val="accent3"/>
+          </a:effectRef>
+          <a:fontRef idx="minor">
+            <a:schemeClr val="lt1"/>
+          </a:fontRef>
+        </p:style>
+        <p:txBody>
+          <a:bodyPr rtlCol="0" anchor="ctr"/>
+          <a:lstStyle/>
+          <a:p>
+            <a:pPr algn="ctr"/>
+            <a:r>
+              <a:rPr lang="en-US" dirty="0" smtClean="0"/>
+              <a:t>Smart Component</a:t>
+            </a:r>
+            <a:endParaRPr lang="en-US" dirty="0"/>
+          </a:p>
+        </p:txBody>
+      </p:sp>
+      <p:sp>
+        <p:nvSpPr>
+          <p:cNvPr id="8" name="Rectangle 7"/>
+          <p:cNvSpPr/>
+          <p:nvPr/>
+        </p:nvSpPr>
+        <p:spPr>
+          <a:xfrm>
+            <a:off x="3589948" y="1134583"/>
+            <a:ext cx="5105398" cy="527001"/>
+          </a:xfrm>
+          <a:prstGeom prst="rect">
+            <a:avLst/>
+          </a:prstGeom>
+        </p:spPr>
+        <p:style>
+          <a:lnRef idx="2">
+            <a:schemeClr val="accent5">
+              <a:shade val="50000"/>
+            </a:schemeClr>
+          </a:lnRef>
+          <a:fillRef idx="1">
+            <a:schemeClr val="accent5"/>
+          </a:fillRef>
+          <a:effectRef idx="0">
+            <a:schemeClr val="accent5"/>
+          </a:effectRef>
+          <a:fontRef idx="minor">
+            <a:schemeClr val="lt1"/>
+          </a:fontRef>
+        </p:style>
+        <p:txBody>
+          <a:bodyPr rtlCol="0" anchor="ctr"/>
+          <a:lstStyle/>
+          <a:p>
+            <a:pPr algn="ctr"/>
+            <a:r>
+              <a:rPr lang="en-US" dirty="0" smtClean="0"/>
+              <a:t>Reducer&lt;</a:t>
+            </a:r>
+            <a:r>
+              <a:rPr lang="en-US" dirty="0" err="1" smtClean="0">
+                <a:solidFill>
+                  <a:schemeClr val="tx2"/>
+                </a:solidFill>
+              </a:rPr>
+              <a:t>vm</a:t>
+            </a:r>
+            <a:r>
+              <a:rPr lang="en-US" dirty="0" smtClean="0"/>
+              <a:t>&gt;.</a:t>
+            </a:r>
+            <a:r>
+              <a:rPr lang="en-US" dirty="0" smtClean="0">
+                <a:solidFill>
+                  <a:srgbClr val="FFFF00"/>
+                </a:solidFill>
+              </a:rPr>
+              <a:t>action()</a:t>
+            </a:r>
+            <a:endParaRPr lang="en-US" dirty="0">
+              <a:solidFill>
+                <a:srgbClr val="FFFF00"/>
+              </a:solidFill>
+            </a:endParaRPr>
+          </a:p>
+        </p:txBody>
+      </p:sp>
+      <p:sp>
+        <p:nvSpPr>
+          <p:cNvPr id="9" name="Rectangle 8"/>
+          <p:cNvSpPr/>
+          <p:nvPr/>
+        </p:nvSpPr>
+        <p:spPr>
+          <a:xfrm>
+            <a:off x="321813" y="1051984"/>
+            <a:ext cx="1555694" cy="4267200"/>
+          </a:xfrm>
+          <a:prstGeom prst="rect">
+            <a:avLst/>
+          </a:prstGeom>
+        </p:spPr>
+        <p:style>
+          <a:lnRef idx="2">
+            <a:schemeClr val="accent5">
+              <a:shade val="50000"/>
+            </a:schemeClr>
+          </a:lnRef>
+          <a:fillRef idx="1">
+            <a:schemeClr val="accent5"/>
+          </a:fillRef>
+          <a:effectRef idx="0">
+            <a:schemeClr val="accent5"/>
+          </a:effectRef>
+          <a:fontRef idx="minor">
+            <a:schemeClr val="lt1"/>
+          </a:fontRef>
+        </p:style>
+        <p:txBody>
+          <a:bodyPr rtlCol="0" anchor="t" anchorCtr="0"/>
+          <a:lstStyle/>
+          <a:p>
+            <a:pPr algn="ctr"/>
+            <a:r>
+              <a:rPr lang="en-US" dirty="0" smtClean="0"/>
+              <a:t>Store</a:t>
+            </a:r>
+            <a:endParaRPr lang="en-US" dirty="0"/>
+          </a:p>
+        </p:txBody>
+      </p:sp>
+      <p:sp>
+        <p:nvSpPr>
+          <p:cNvPr id="15" name="Rectangle 14"/>
+          <p:cNvSpPr/>
+          <p:nvPr/>
+        </p:nvSpPr>
+        <p:spPr>
+          <a:xfrm>
+            <a:off x="471052" y="2559023"/>
+            <a:ext cx="1173731" cy="1998161"/>
+          </a:xfrm>
+          <a:prstGeom prst="rect">
+            <a:avLst/>
+          </a:prstGeom>
+        </p:spPr>
+        <p:style>
+          <a:lnRef idx="2">
+            <a:schemeClr val="accent1">
+              <a:shade val="50000"/>
+            </a:schemeClr>
+          </a:lnRef>
+          <a:fillRef idx="1">
+            <a:schemeClr val="accent1"/>
+          </a:fillRef>
+          <a:effectRef idx="0">
+            <a:schemeClr val="accent1"/>
+          </a:effectRef>
+          <a:fontRef idx="minor">
+            <a:schemeClr val="lt1"/>
+          </a:fontRef>
+        </p:style>
+        <p:txBody>
+          <a:bodyPr rtlCol="0" anchor="t" anchorCtr="0"/>
+          <a:lstStyle/>
+          <a:p>
+            <a:pPr algn="ctr"/>
+            <a:r>
+              <a:rPr lang="en-US" dirty="0" smtClean="0"/>
+              <a:t>View Model</a:t>
+            </a:r>
+            <a:endParaRPr lang="en-US" dirty="0"/>
+          </a:p>
+        </p:txBody>
+      </p:sp>
+      <p:sp>
+        <p:nvSpPr>
+          <p:cNvPr id="17" name="Rectangle 16"/>
+          <p:cNvSpPr/>
+          <p:nvPr/>
+        </p:nvSpPr>
+        <p:spPr>
+          <a:xfrm>
+            <a:off x="587414" y="2425676"/>
+            <a:ext cx="1173731" cy="1979108"/>
+          </a:xfrm>
+          <a:prstGeom prst="rect">
+            <a:avLst/>
+          </a:prstGeom>
+        </p:spPr>
+        <p:style>
+          <a:lnRef idx="2">
+            <a:schemeClr val="accent1">
+              <a:shade val="50000"/>
+            </a:schemeClr>
+          </a:lnRef>
+          <a:fillRef idx="1">
+            <a:schemeClr val="accent1"/>
+          </a:fillRef>
+          <a:effectRef idx="0">
+            <a:schemeClr val="accent1"/>
+          </a:effectRef>
+          <a:fontRef idx="minor">
+            <a:schemeClr val="lt1"/>
+          </a:fontRef>
+        </p:style>
+        <p:txBody>
+          <a:bodyPr rtlCol="0" anchor="t" anchorCtr="0"/>
+          <a:lstStyle/>
+          <a:p>
+            <a:pPr algn="ctr"/>
+            <a:r>
+              <a:rPr lang="en-US" dirty="0" smtClean="0"/>
+              <a:t>View Model</a:t>
+            </a:r>
+            <a:endParaRPr lang="en-US" dirty="0"/>
+          </a:p>
+        </p:txBody>
+      </p:sp>
+      <p:sp>
+        <p:nvSpPr>
+          <p:cNvPr id="19" name="Rectangle 18"/>
+          <p:cNvSpPr/>
+          <p:nvPr/>
+        </p:nvSpPr>
+        <p:spPr>
+          <a:xfrm>
+            <a:off x="988145" y="3069419"/>
+            <a:ext cx="466621" cy="392622"/>
+          </a:xfrm>
+          <a:prstGeom prst="rect">
+            <a:avLst/>
+          </a:prstGeom>
+          <a:solidFill>
+            <a:schemeClr val="accent1">
+              <a:alpha val="76000"/>
+            </a:schemeClr>
+          </a:solidFill>
+        </p:spPr>
+        <p:style>
+          <a:lnRef idx="2">
+            <a:schemeClr val="accent1">
+              <a:shade val="50000"/>
+            </a:schemeClr>
+          </a:lnRef>
+          <a:fillRef idx="1">
+            <a:schemeClr val="accent1"/>
+          </a:fillRef>
+          <a:effectRef idx="0">
+            <a:schemeClr val="accent1"/>
+          </a:effectRef>
+          <a:fontRef idx="minor">
+            <a:schemeClr val="lt1"/>
+          </a:fontRef>
+        </p:style>
+        <p:txBody>
+          <a:bodyPr rtlCol="0" anchor="ctr"/>
+          <a:lstStyle/>
+          <a:p>
+            <a:pPr algn="ctr"/>
+            <a:endParaRPr lang="en-US" sz="800" dirty="0"/>
+          </a:p>
+        </p:txBody>
+      </p:sp>
+      <p:sp>
+        <p:nvSpPr>
+          <p:cNvPr id="18" name="Rectangle 17"/>
+          <p:cNvSpPr/>
+          <p:nvPr/>
+        </p:nvSpPr>
+        <p:spPr>
+          <a:xfrm>
+            <a:off x="865491" y="3143766"/>
+            <a:ext cx="466621" cy="392622"/>
+          </a:xfrm>
+          <a:prstGeom prst="rect">
+            <a:avLst/>
+          </a:prstGeom>
+          <a:solidFill>
+            <a:schemeClr val="accent1">
+              <a:alpha val="76000"/>
+            </a:schemeClr>
+          </a:solidFill>
+        </p:spPr>
+        <p:style>
+          <a:lnRef idx="2">
+            <a:schemeClr val="accent1">
+              <a:shade val="50000"/>
+            </a:schemeClr>
+          </a:lnRef>
+          <a:fillRef idx="1">
+            <a:schemeClr val="accent1"/>
+          </a:fillRef>
+          <a:effectRef idx="0">
+            <a:schemeClr val="accent1"/>
+          </a:effectRef>
+          <a:fontRef idx="minor">
+            <a:schemeClr val="lt1"/>
+          </a:fontRef>
+        </p:style>
+        <p:txBody>
+          <a:bodyPr rtlCol="0" anchor="ctr"/>
+          <a:lstStyle/>
+          <a:p>
+            <a:pPr algn="ctr"/>
+            <a:r>
+              <a:rPr lang="en-US" sz="800" dirty="0" smtClean="0"/>
+              <a:t>Model</a:t>
+            </a:r>
+            <a:endParaRPr lang="en-US" sz="800" dirty="0"/>
+          </a:p>
+        </p:txBody>
+      </p:sp>
+      <p:sp>
+        <p:nvSpPr>
+          <p:cNvPr id="21" name="Rectangle 20"/>
+          <p:cNvSpPr/>
+          <p:nvPr/>
+        </p:nvSpPr>
+        <p:spPr>
+          <a:xfrm>
+            <a:off x="7476146" y="4480984"/>
+            <a:ext cx="1421184" cy="1131379"/>
+          </a:xfrm>
+          <a:prstGeom prst="rect">
+            <a:avLst/>
+          </a:prstGeom>
+        </p:spPr>
+        <p:style>
+          <a:lnRef idx="2">
+            <a:schemeClr val="accent6">
+              <a:shade val="50000"/>
+            </a:schemeClr>
+          </a:lnRef>
+          <a:fillRef idx="1">
+            <a:schemeClr val="accent6"/>
+          </a:fillRef>
+          <a:effectRef idx="0">
+            <a:schemeClr val="accent6"/>
+          </a:effectRef>
+          <a:fontRef idx="minor">
+            <a:schemeClr val="lt1"/>
+          </a:fontRef>
+        </p:style>
+        <p:txBody>
+          <a:bodyPr rtlCol="0" anchor="ctr"/>
+          <a:lstStyle/>
+          <a:p>
+            <a:pPr algn="ctr"/>
+            <a:r>
+              <a:rPr lang="en-US" dirty="0" smtClean="0"/>
+              <a:t>Dumb Component</a:t>
+            </a:r>
+            <a:endParaRPr lang="en-US" dirty="0"/>
+          </a:p>
+        </p:txBody>
+      </p:sp>
+      <p:sp>
+        <p:nvSpPr>
+          <p:cNvPr id="23" name="TextBox 22"/>
+          <p:cNvSpPr txBox="1"/>
+          <p:nvPr/>
+        </p:nvSpPr>
+        <p:spPr>
+          <a:xfrm>
+            <a:off x="2065946" y="3525849"/>
+            <a:ext cx="1330814" cy="276999"/>
+          </a:xfrm>
+          <a:prstGeom prst="rect">
+            <a:avLst/>
+          </a:prstGeom>
+          <a:noFill/>
+        </p:spPr>
+        <p:txBody>
+          <a:bodyPr wrap="none" rtlCol="0">
+            <a:spAutoFit/>
+          </a:bodyPr>
+          <a:lstStyle/>
+          <a:p>
+            <a:r>
+              <a:rPr lang="en-US" sz="1200" dirty="0" smtClean="0"/>
+              <a:t>(Observable&lt;</a:t>
+            </a:r>
+            <a:r>
+              <a:rPr lang="en-US" sz="1200" dirty="0" err="1" smtClean="0"/>
+              <a:t>vm</a:t>
+            </a:r>
+            <a:r>
+              <a:rPr lang="en-US" sz="1200" dirty="0" smtClean="0"/>
+              <a:t>&gt;)</a:t>
+            </a:r>
+            <a:endParaRPr lang="en-US" sz="1200" dirty="0"/>
+          </a:p>
+        </p:txBody>
+      </p:sp>
+      <p:sp>
+        <p:nvSpPr>
+          <p:cNvPr id="25" name="Right Arrow 24"/>
+          <p:cNvSpPr/>
+          <p:nvPr/>
+        </p:nvSpPr>
+        <p:spPr>
+          <a:xfrm>
+            <a:off x="6044542" y="2787431"/>
+            <a:ext cx="1431604" cy="484632"/>
+          </a:xfrm>
+          <a:prstGeom prst="rightArrow">
+            <a:avLst/>
+          </a:prstGeom>
+          <a:solidFill>
+            <a:schemeClr val="accent1">
+              <a:alpha val="75000"/>
+            </a:schemeClr>
+          </a:solidFill>
+        </p:spPr>
+        <p:style>
+          <a:lnRef idx="2">
+            <a:schemeClr val="accent1">
+              <a:shade val="50000"/>
+            </a:schemeClr>
+          </a:lnRef>
+          <a:fillRef idx="1">
+            <a:schemeClr val="accent1"/>
+          </a:fillRef>
+          <a:effectRef idx="0">
+            <a:schemeClr val="accent1"/>
+          </a:effectRef>
+          <a:fontRef idx="minor">
+            <a:schemeClr val="lt1"/>
+          </a:fontRef>
+        </p:style>
+        <p:txBody>
+          <a:bodyPr rtlCol="0" anchor="ctr"/>
+          <a:lstStyle/>
+          <a:p>
+            <a:pPr algn="ctr"/>
+            <a:r>
+              <a:rPr lang="en-US" sz="1200" dirty="0" smtClean="0"/>
+              <a:t>Model</a:t>
+            </a:r>
+            <a:endParaRPr lang="en-US" sz="1200" dirty="0"/>
+          </a:p>
+        </p:txBody>
+      </p:sp>
+      <p:sp>
+        <p:nvSpPr>
+          <p:cNvPr id="26" name="Right Arrow 25"/>
+          <p:cNvSpPr/>
+          <p:nvPr/>
+        </p:nvSpPr>
+        <p:spPr>
+          <a:xfrm>
+            <a:off x="6044542" y="4557184"/>
+            <a:ext cx="1431604" cy="484632"/>
+          </a:xfrm>
+          <a:prstGeom prst="rightArrow">
+            <a:avLst/>
+          </a:prstGeom>
+          <a:solidFill>
+            <a:schemeClr val="accent1">
+              <a:alpha val="75000"/>
+            </a:schemeClr>
+          </a:solidFill>
+        </p:spPr>
+        <p:style>
+          <a:lnRef idx="2">
+            <a:schemeClr val="accent1">
+              <a:shade val="50000"/>
+            </a:schemeClr>
+          </a:lnRef>
+          <a:fillRef idx="1">
+            <a:schemeClr val="accent1"/>
+          </a:fillRef>
+          <a:effectRef idx="0">
+            <a:schemeClr val="accent1"/>
+          </a:effectRef>
+          <a:fontRef idx="minor">
+            <a:schemeClr val="lt1"/>
+          </a:fontRef>
+        </p:style>
+        <p:txBody>
+          <a:bodyPr rtlCol="0" anchor="ctr"/>
+          <a:lstStyle/>
+          <a:p>
+            <a:pPr algn="ctr"/>
+            <a:r>
+              <a:rPr lang="en-US" sz="1200" dirty="0" smtClean="0"/>
+              <a:t>Model</a:t>
+            </a:r>
+            <a:endParaRPr lang="en-US" sz="1200" dirty="0"/>
+          </a:p>
+        </p:txBody>
+      </p:sp>
+      <p:sp>
+        <p:nvSpPr>
+          <p:cNvPr id="28" name="Left Arrow 27"/>
+          <p:cNvSpPr/>
+          <p:nvPr/>
+        </p:nvSpPr>
+        <p:spPr>
+          <a:xfrm>
+            <a:off x="6020997" y="3337984"/>
+            <a:ext cx="1455149" cy="484632"/>
+          </a:xfrm>
+          <a:prstGeom prst="leftArrow">
+            <a:avLst/>
+          </a:prstGeom>
+          <a:solidFill>
+            <a:srgbClr val="FFFF00"/>
+          </a:solidFill>
+        </p:spPr>
+        <p:style>
+          <a:lnRef idx="2">
+            <a:schemeClr val="accent1">
+              <a:shade val="50000"/>
+            </a:schemeClr>
+          </a:lnRef>
+          <a:fillRef idx="1">
+            <a:schemeClr val="accent1"/>
+          </a:fillRef>
+          <a:effectRef idx="0">
+            <a:schemeClr val="accent1"/>
+          </a:effectRef>
+          <a:fontRef idx="minor">
+            <a:schemeClr val="lt1"/>
+          </a:fontRef>
+        </p:style>
+        <p:txBody>
+          <a:bodyPr rtlCol="0" anchor="ctr"/>
+          <a:lstStyle/>
+          <a:p>
+            <a:pPr algn="ctr"/>
+            <a:r>
+              <a:rPr lang="en-US" sz="1200" dirty="0" smtClean="0">
+                <a:solidFill>
+                  <a:schemeClr val="tx1"/>
+                </a:solidFill>
+              </a:rPr>
+              <a:t>Event&lt;action&gt;</a:t>
+            </a:r>
+            <a:endParaRPr lang="en-US" sz="1200" dirty="0">
+              <a:solidFill>
+                <a:schemeClr val="tx1"/>
+              </a:solidFill>
+            </a:endParaRPr>
+          </a:p>
+        </p:txBody>
+      </p:sp>
+      <p:sp>
+        <p:nvSpPr>
+          <p:cNvPr id="29" name="Left Arrow 28"/>
+          <p:cNvSpPr/>
+          <p:nvPr/>
+        </p:nvSpPr>
+        <p:spPr>
+          <a:xfrm>
+            <a:off x="6020995" y="5076868"/>
+            <a:ext cx="1455149" cy="484632"/>
+          </a:xfrm>
+          <a:prstGeom prst="leftArrow">
+            <a:avLst/>
+          </a:prstGeom>
+          <a:solidFill>
+            <a:srgbClr val="FFFF00"/>
+          </a:solidFill>
+        </p:spPr>
+        <p:style>
+          <a:lnRef idx="2">
+            <a:schemeClr val="accent1">
+              <a:shade val="50000"/>
+            </a:schemeClr>
+          </a:lnRef>
+          <a:fillRef idx="1">
+            <a:schemeClr val="accent1"/>
+          </a:fillRef>
+          <a:effectRef idx="0">
+            <a:schemeClr val="accent1"/>
+          </a:effectRef>
+          <a:fontRef idx="minor">
+            <a:schemeClr val="lt1"/>
+          </a:fontRef>
+        </p:style>
+        <p:txBody>
+          <a:bodyPr rtlCol="0" anchor="ctr"/>
+          <a:lstStyle/>
+          <a:p>
+            <a:pPr algn="ctr"/>
+            <a:r>
+              <a:rPr lang="en-US" sz="1200" dirty="0" smtClean="0">
+                <a:solidFill>
+                  <a:schemeClr val="tx1"/>
+                </a:solidFill>
+              </a:rPr>
+              <a:t>Event&lt;action&gt;</a:t>
+            </a:r>
+            <a:endParaRPr lang="en-US" sz="1200" dirty="0">
+              <a:solidFill>
+                <a:schemeClr val="tx1"/>
+              </a:solidFill>
+            </a:endParaRPr>
+          </a:p>
+        </p:txBody>
+      </p:sp>
+      <p:sp>
+        <p:nvSpPr>
+          <p:cNvPr id="30" name="Up Arrow 29"/>
+          <p:cNvSpPr/>
+          <p:nvPr/>
+        </p:nvSpPr>
+        <p:spPr>
+          <a:xfrm>
+            <a:off x="4732946" y="1661584"/>
+            <a:ext cx="484632" cy="1169484"/>
+          </a:xfrm>
+          <a:prstGeom prst="upArrow">
+            <a:avLst/>
+          </a:prstGeom>
+        </p:spPr>
+        <p:style>
+          <a:lnRef idx="2">
+            <a:schemeClr val="accent1">
+              <a:shade val="50000"/>
+            </a:schemeClr>
+          </a:lnRef>
+          <a:fillRef idx="1">
+            <a:schemeClr val="accent1"/>
+          </a:fillRef>
+          <a:effectRef idx="0">
+            <a:schemeClr val="accent1"/>
+          </a:effectRef>
+          <a:fontRef idx="minor">
+            <a:schemeClr val="lt1"/>
+          </a:fontRef>
+        </p:style>
+        <p:txBody>
+          <a:bodyPr rtlCol="0" anchor="ctr"/>
+          <a:lstStyle/>
+          <a:p>
+            <a:pPr algn="ctr"/>
+            <a:endParaRPr lang="en-US"/>
+          </a:p>
+        </p:txBody>
+      </p:sp>
+      <p:sp>
+        <p:nvSpPr>
+          <p:cNvPr id="31" name="Rectangle 30"/>
+          <p:cNvSpPr/>
+          <p:nvPr/>
+        </p:nvSpPr>
+        <p:spPr>
+          <a:xfrm>
+            <a:off x="1017891" y="3688788"/>
+            <a:ext cx="466621" cy="392622"/>
+          </a:xfrm>
+          <a:prstGeom prst="rect">
+            <a:avLst/>
+          </a:prstGeom>
+          <a:solidFill>
+            <a:schemeClr val="accent1">
+              <a:alpha val="76000"/>
+            </a:schemeClr>
+          </a:solidFill>
+        </p:spPr>
+        <p:style>
+          <a:lnRef idx="2">
+            <a:schemeClr val="accent1">
+              <a:shade val="50000"/>
+            </a:schemeClr>
+          </a:lnRef>
+          <a:fillRef idx="1">
+            <a:schemeClr val="accent1"/>
+          </a:fillRef>
+          <a:effectRef idx="0">
+            <a:schemeClr val="accent1"/>
+          </a:effectRef>
+          <a:fontRef idx="minor">
+            <a:schemeClr val="lt1"/>
+          </a:fontRef>
+        </p:style>
+        <p:txBody>
+          <a:bodyPr rtlCol="0" anchor="ctr"/>
+          <a:lstStyle/>
+          <a:p>
+            <a:pPr algn="ctr"/>
+            <a:endParaRPr lang="en-US" sz="800" dirty="0"/>
+          </a:p>
+        </p:txBody>
+      </p:sp>
+      <p:sp>
+        <p:nvSpPr>
+          <p:cNvPr id="32" name="Rectangle 31"/>
+          <p:cNvSpPr/>
+          <p:nvPr/>
+        </p:nvSpPr>
+        <p:spPr>
+          <a:xfrm>
+            <a:off x="895237" y="3763135"/>
+            <a:ext cx="466621" cy="392622"/>
+          </a:xfrm>
+          <a:prstGeom prst="rect">
+            <a:avLst/>
+          </a:prstGeom>
+          <a:solidFill>
+            <a:schemeClr val="accent1">
+              <a:alpha val="76000"/>
+            </a:schemeClr>
+          </a:solidFill>
+        </p:spPr>
+        <p:style>
+          <a:lnRef idx="2">
+            <a:schemeClr val="accent1">
+              <a:shade val="50000"/>
+            </a:schemeClr>
+          </a:lnRef>
+          <a:fillRef idx="1">
+            <a:schemeClr val="accent1"/>
+          </a:fillRef>
+          <a:effectRef idx="0">
+            <a:schemeClr val="accent1"/>
+          </a:effectRef>
+          <a:fontRef idx="minor">
+            <a:schemeClr val="lt1"/>
+          </a:fontRef>
+        </p:style>
+        <p:txBody>
+          <a:bodyPr rtlCol="0" anchor="ctr"/>
+          <a:lstStyle/>
+          <a:p>
+            <a:pPr algn="ctr"/>
+            <a:r>
+              <a:rPr lang="en-US" sz="800" dirty="0" smtClean="0"/>
+              <a:t>Model</a:t>
+            </a:r>
+            <a:endParaRPr lang="en-US" sz="800" dirty="0"/>
+          </a:p>
+        </p:txBody>
+      </p:sp>
+      <p:sp>
+        <p:nvSpPr>
+          <p:cNvPr id="33" name="Left Arrow 32"/>
+          <p:cNvSpPr/>
+          <p:nvPr/>
+        </p:nvSpPr>
+        <p:spPr>
+          <a:xfrm>
+            <a:off x="1913547" y="1140812"/>
+            <a:ext cx="1676400" cy="484632"/>
+          </a:xfrm>
+          <a:prstGeom prst="leftArrow">
+            <a:avLst/>
+          </a:prstGeom>
+        </p:spPr>
+        <p:style>
+          <a:lnRef idx="2">
+            <a:schemeClr val="accent1">
+              <a:shade val="50000"/>
+            </a:schemeClr>
+          </a:lnRef>
+          <a:fillRef idx="1">
+            <a:schemeClr val="accent1"/>
+          </a:fillRef>
+          <a:effectRef idx="0">
+            <a:schemeClr val="accent1"/>
+          </a:effectRef>
+          <a:fontRef idx="minor">
+            <a:schemeClr val="lt1"/>
+          </a:fontRef>
+        </p:style>
+        <p:txBody>
+          <a:bodyPr rtlCol="0" anchor="ctr"/>
+          <a:lstStyle/>
+          <a:p>
+            <a:pPr algn="ctr"/>
+            <a:endParaRPr lang="en-US"/>
+          </a:p>
+        </p:txBody>
+      </p:sp>
+      <p:sp>
+        <p:nvSpPr>
+          <p:cNvPr id="34" name="Right Arrow 33"/>
+          <p:cNvSpPr/>
+          <p:nvPr/>
+        </p:nvSpPr>
+        <p:spPr>
+          <a:xfrm>
+            <a:off x="1913547" y="3671125"/>
+            <a:ext cx="1712440" cy="484632"/>
+          </a:xfrm>
+          <a:prstGeom prst="rightArrow">
+            <a:avLst/>
+          </a:prstGeom>
+        </p:spPr>
+        <p:style>
+          <a:lnRef idx="2">
+            <a:schemeClr val="accent2">
+              <a:shade val="50000"/>
+            </a:schemeClr>
+          </a:lnRef>
+          <a:fillRef idx="1">
+            <a:schemeClr val="accent2"/>
+          </a:fillRef>
+          <a:effectRef idx="0">
+            <a:schemeClr val="accent2"/>
+          </a:effectRef>
+          <a:fontRef idx="minor">
+            <a:schemeClr val="lt1"/>
+          </a:fontRef>
+        </p:style>
+        <p:txBody>
+          <a:bodyPr rtlCol="0" anchor="ctr"/>
+          <a:lstStyle/>
+          <a:p>
+            <a:pPr algn="ctr"/>
+            <a:r>
+              <a:rPr lang="en-US" sz="1200" dirty="0" smtClean="0"/>
+              <a:t>Smart Comp Svc</a:t>
+            </a:r>
+            <a:endParaRPr lang="en-US" sz="1200" dirty="0"/>
+          </a:p>
+        </p:txBody>
+      </p:sp>
+      <p:sp>
+        <p:nvSpPr>
+          <p:cNvPr id="35" name="TextBox 34"/>
+          <p:cNvSpPr txBox="1"/>
+          <p:nvPr/>
+        </p:nvSpPr>
+        <p:spPr>
+          <a:xfrm>
+            <a:off x="323237" y="6096000"/>
+            <a:ext cx="1536511" cy="461665"/>
+          </a:xfrm>
+          <a:prstGeom prst="rect">
+            <a:avLst/>
+          </a:prstGeom>
+          <a:noFill/>
+        </p:spPr>
+        <p:txBody>
+          <a:bodyPr wrap="none" rtlCol="0">
+            <a:spAutoFit/>
+          </a:bodyPr>
+          <a:lstStyle/>
+          <a:p>
+            <a:r>
+              <a:rPr lang="en-US" sz="1200" dirty="0" smtClean="0"/>
+              <a:t>VM </a:t>
+            </a:r>
+            <a:r>
+              <a:rPr lang="en-US" sz="1200" dirty="0" smtClean="0">
+                <a:sym typeface="Wingdings" panose="05000000000000000000" pitchFamily="2" charset="2"/>
+              </a:rPr>
+              <a:t> SC  Reducer</a:t>
+            </a:r>
+          </a:p>
+          <a:p>
+            <a:r>
+              <a:rPr lang="en-US" sz="1200" dirty="0" smtClean="0">
+                <a:sym typeface="Wingdings" panose="05000000000000000000" pitchFamily="2" charset="2"/>
+              </a:rPr>
+              <a:t>DC  Action</a:t>
+            </a:r>
+            <a:endParaRPr lang="en-US" sz="1200" dirty="0"/>
+          </a:p>
+        </p:txBody>
+      </p:sp>
+      <p:sp>
+        <p:nvSpPr>
+          <p:cNvPr id="36" name="TextBox 35"/>
+          <p:cNvSpPr txBox="1"/>
+          <p:nvPr/>
+        </p:nvSpPr>
+        <p:spPr>
+          <a:xfrm>
+            <a:off x="0" y="9951"/>
+            <a:ext cx="9144000" cy="461665"/>
+          </a:xfrm>
+          <a:prstGeom prst="rect">
+            <a:avLst/>
+          </a:prstGeom>
+          <a:noFill/>
+        </p:spPr>
+        <p:txBody>
+          <a:bodyPr wrap="square" rtlCol="0">
+            <a:spAutoFit/>
+          </a:bodyPr>
+          <a:lstStyle/>
+          <a:p>
+            <a:pPr algn="ctr"/>
+            <a:r>
+              <a:rPr lang="en-US" sz="2400" b="1" dirty="0" smtClean="0">
+                <a:solidFill>
+                  <a:schemeClr val="accent1"/>
+                </a:solidFill>
+              </a:rPr>
+              <a:t>VM / SC / DC / Reducer / Action Relationship</a:t>
+            </a:r>
+            <a:endParaRPr lang="en-US" sz="2400" b="1" dirty="0">
+              <a:solidFill>
+                <a:schemeClr val="accent1"/>
+              </a:solidFill>
+            </a:endParaRPr>
+          </a:p>
+        </p:txBody>
+      </p:sp>
+    </p:spTree>
+    <p:extLst>
+      <p:ext uri="{BB962C8B-B14F-4D97-AF65-F5344CB8AC3E}">
+        <p14:creationId xmlns:p14="http://schemas.microsoft.com/office/powerpoint/2010/main" val="3554714505"/>
       </p:ext>
     </p:extLst>
   </p:cSld>
